--- a/Big_Data_Analytics_12_Lectures.pptx
+++ b/Big_Data_Analytics_12_Lectures.pptx
@@ -5,54 +5,56 @@
     <p:sldMasterId id="2147483648" r:id="rId1"/>
   </p:sldMasterIdLst>
   <p:sldIdLst>
-    <p:sldId id="256" r:id="rId7"/>
-    <p:sldId id="257" r:id="rId8"/>
-    <p:sldId id="258" r:id="rId9"/>
-    <p:sldId id="259" r:id="rId10"/>
-    <p:sldId id="260" r:id="rId11"/>
-    <p:sldId id="261" r:id="rId12"/>
-    <p:sldId id="262" r:id="rId13"/>
-    <p:sldId id="263" r:id="rId14"/>
-    <p:sldId id="264" r:id="rId15"/>
-    <p:sldId id="265" r:id="rId16"/>
-    <p:sldId id="266" r:id="rId17"/>
-    <p:sldId id="267" r:id="rId18"/>
-    <p:sldId id="268" r:id="rId19"/>
-    <p:sldId id="269" r:id="rId20"/>
-    <p:sldId id="270" r:id="rId21"/>
-    <p:sldId id="271" r:id="rId22"/>
-    <p:sldId id="272" r:id="rId23"/>
-    <p:sldId id="273" r:id="rId24"/>
-    <p:sldId id="274" r:id="rId25"/>
-    <p:sldId id="275" r:id="rId26"/>
-    <p:sldId id="276" r:id="rId27"/>
-    <p:sldId id="277" r:id="rId28"/>
-    <p:sldId id="278" r:id="rId29"/>
-    <p:sldId id="279" r:id="rId30"/>
-    <p:sldId id="280" r:id="rId31"/>
-    <p:sldId id="281" r:id="rId32"/>
-    <p:sldId id="282" r:id="rId33"/>
-    <p:sldId id="283" r:id="rId34"/>
-    <p:sldId id="284" r:id="rId35"/>
-    <p:sldId id="285" r:id="rId36"/>
-    <p:sldId id="286" r:id="rId37"/>
-    <p:sldId id="287" r:id="rId38"/>
-    <p:sldId id="288" r:id="rId39"/>
-    <p:sldId id="289" r:id="rId40"/>
-    <p:sldId id="290" r:id="rId41"/>
-    <p:sldId id="291" r:id="rId42"/>
-    <p:sldId id="292" r:id="rId43"/>
-    <p:sldId id="293" r:id="rId44"/>
-    <p:sldId id="294" r:id="rId45"/>
-    <p:sldId id="295" r:id="rId46"/>
-    <p:sldId id="296" r:id="rId47"/>
-    <p:sldId id="297" r:id="rId48"/>
-    <p:sldId id="298" r:id="rId49"/>
-    <p:sldId id="299" r:id="rId50"/>
-    <p:sldId id="300" r:id="rId51"/>
-    <p:sldId id="301" r:id="rId52"/>
-    <p:sldId id="302" r:id="rId53"/>
-    <p:sldId id="303" r:id="rId54"/>
+    <p:sldId id="256" r:id="rId2"/>
+    <p:sldId id="304" r:id="rId3"/>
+    <p:sldId id="257" r:id="rId4"/>
+    <p:sldId id="258" r:id="rId5"/>
+    <p:sldId id="259" r:id="rId6"/>
+    <p:sldId id="260" r:id="rId7"/>
+    <p:sldId id="261" r:id="rId8"/>
+    <p:sldId id="262" r:id="rId9"/>
+    <p:sldId id="263" r:id="rId10"/>
+    <p:sldId id="264" r:id="rId11"/>
+    <p:sldId id="265" r:id="rId12"/>
+    <p:sldId id="266" r:id="rId13"/>
+    <p:sldId id="267" r:id="rId14"/>
+    <p:sldId id="268" r:id="rId15"/>
+    <p:sldId id="269" r:id="rId16"/>
+    <p:sldId id="270" r:id="rId17"/>
+    <p:sldId id="271" r:id="rId18"/>
+    <p:sldId id="272" r:id="rId19"/>
+    <p:sldId id="273" r:id="rId20"/>
+    <p:sldId id="274" r:id="rId21"/>
+    <p:sldId id="275" r:id="rId22"/>
+    <p:sldId id="305" r:id="rId23"/>
+    <p:sldId id="276" r:id="rId24"/>
+    <p:sldId id="277" r:id="rId25"/>
+    <p:sldId id="278" r:id="rId26"/>
+    <p:sldId id="279" r:id="rId27"/>
+    <p:sldId id="280" r:id="rId28"/>
+    <p:sldId id="281" r:id="rId29"/>
+    <p:sldId id="282" r:id="rId30"/>
+    <p:sldId id="283" r:id="rId31"/>
+    <p:sldId id="284" r:id="rId32"/>
+    <p:sldId id="285" r:id="rId33"/>
+    <p:sldId id="286" r:id="rId34"/>
+    <p:sldId id="287" r:id="rId35"/>
+    <p:sldId id="288" r:id="rId36"/>
+    <p:sldId id="289" r:id="rId37"/>
+    <p:sldId id="290" r:id="rId38"/>
+    <p:sldId id="291" r:id="rId39"/>
+    <p:sldId id="292" r:id="rId40"/>
+    <p:sldId id="293" r:id="rId41"/>
+    <p:sldId id="294" r:id="rId42"/>
+    <p:sldId id="295" r:id="rId43"/>
+    <p:sldId id="296" r:id="rId44"/>
+    <p:sldId id="297" r:id="rId45"/>
+    <p:sldId id="298" r:id="rId46"/>
+    <p:sldId id="299" r:id="rId47"/>
+    <p:sldId id="300" r:id="rId48"/>
+    <p:sldId id="301" r:id="rId49"/>
+    <p:sldId id="302" r:id="rId50"/>
+    <p:sldId id="303" r:id="rId51"/>
   </p:sldIdLst>
   <p:sldSz cx="9144000" cy="6858000" type="screen4x3"/>
   <p:notesSz cx="6858000" cy="9144000"/>
@@ -151,6 +153,22 @@
       </a:defRPr>
     </a:lvl9pPr>
   </p:defaultTextStyle>
+  <p:extLst>
+    <p:ext uri="{EFAFB233-063F-42B5-8137-9DF3F51BA10A}">
+      <p15:sldGuideLst xmlns:p15="http://schemas.microsoft.com/office/powerpoint/2012/main">
+        <p15:guide id="1" orient="horz" pos="2160">
+          <p15:clr>
+            <a:srgbClr val="A4A3A4"/>
+          </p15:clr>
+        </p15:guide>
+        <p15:guide id="2" pos="2880">
+          <p15:clr>
+            <a:srgbClr val="A4A3A4"/>
+          </p15:clr>
+        </p15:guide>
+      </p15:sldGuideLst>
+    </p:ext>
+  </p:extLst>
 </p:presentation>
 </file>
 
@@ -192,10 +210,9 @@
           <a:lstStyle/>
           <a:p>
             <a:r>
-              <a:rPr lang="en-US" smtClean="0"/>
+              <a:rPr lang="en-US"/>
               <a:t>Click to edit Master title style</a:t>
             </a:r>
-            <a:endParaRPr lang="en-US"/>
           </a:p>
         </p:txBody>
       </p:sp>
@@ -311,10 +328,9 @@
           </a:lstStyle>
           <a:p>
             <a:r>
-              <a:rPr lang="en-US" smtClean="0"/>
+              <a:rPr lang="en-US"/>
               <a:t>Click to edit Master subtitle style</a:t>
             </a:r>
-            <a:endParaRPr lang="en-US"/>
           </a:p>
         </p:txBody>
       </p:sp>
@@ -335,7 +351,7 @@
           <a:p>
             <a:fld id="{5BCAD085-E8A6-8845-BD4E-CB4CCA059FC4}" type="datetimeFigureOut">
               <a:rPr lang="en-US" smtClean="0"/>
-              <a:t>1/27/13</a:t>
+              <a:t>11/4/25</a:t>
             </a:fld>
             <a:endParaRPr lang="en-US"/>
           </a:p>
@@ -429,10 +445,9 @@
           <a:lstStyle/>
           <a:p>
             <a:r>
-              <a:rPr lang="en-US" smtClean="0"/>
+              <a:rPr lang="en-US"/>
               <a:t>Click to edit Master title style</a:t>
             </a:r>
-            <a:endParaRPr lang="en-US"/>
           </a:p>
         </p:txBody>
       </p:sp>
@@ -453,38 +468,37 @@
           <a:p>
             <a:pPr lvl="0"/>
             <a:r>
-              <a:rPr lang="en-US" smtClean="0"/>
+              <a:rPr lang="en-US"/>
               <a:t>Click to edit Master text styles</a:t>
             </a:r>
           </a:p>
           <a:p>
             <a:pPr lvl="1"/>
             <a:r>
-              <a:rPr lang="en-US" smtClean="0"/>
+              <a:rPr lang="en-US"/>
               <a:t>Second level</a:t>
             </a:r>
           </a:p>
           <a:p>
             <a:pPr lvl="2"/>
             <a:r>
-              <a:rPr lang="en-US" smtClean="0"/>
+              <a:rPr lang="en-US"/>
               <a:t>Third level</a:t>
             </a:r>
           </a:p>
           <a:p>
             <a:pPr lvl="3"/>
             <a:r>
-              <a:rPr lang="en-US" smtClean="0"/>
+              <a:rPr lang="en-US"/>
               <a:t>Fourth level</a:t>
             </a:r>
           </a:p>
           <a:p>
             <a:pPr lvl="4"/>
             <a:r>
-              <a:rPr lang="en-US" smtClean="0"/>
+              <a:rPr lang="en-US"/>
               <a:t>Fifth level</a:t>
             </a:r>
-            <a:endParaRPr lang="en-US"/>
           </a:p>
         </p:txBody>
       </p:sp>
@@ -505,7 +519,7 @@
           <a:p>
             <a:fld id="{5BCAD085-E8A6-8845-BD4E-CB4CCA059FC4}" type="datetimeFigureOut">
               <a:rPr lang="en-US" smtClean="0"/>
-              <a:t>1/27/13</a:t>
+              <a:t>11/4/25</a:t>
             </a:fld>
             <a:endParaRPr lang="en-US"/>
           </a:p>
@@ -604,10 +618,9 @@
           <a:lstStyle/>
           <a:p>
             <a:r>
-              <a:rPr lang="en-US" smtClean="0"/>
+              <a:rPr lang="en-US"/>
               <a:t>Click to edit Master title style</a:t>
             </a:r>
-            <a:endParaRPr lang="en-US"/>
           </a:p>
         </p:txBody>
       </p:sp>
@@ -633,38 +646,37 @@
           <a:p>
             <a:pPr lvl="0"/>
             <a:r>
-              <a:rPr lang="en-US" smtClean="0"/>
+              <a:rPr lang="en-US"/>
               <a:t>Click to edit Master text styles</a:t>
             </a:r>
           </a:p>
           <a:p>
             <a:pPr lvl="1"/>
             <a:r>
-              <a:rPr lang="en-US" smtClean="0"/>
+              <a:rPr lang="en-US"/>
               <a:t>Second level</a:t>
             </a:r>
           </a:p>
           <a:p>
             <a:pPr lvl="2"/>
             <a:r>
-              <a:rPr lang="en-US" smtClean="0"/>
+              <a:rPr lang="en-US"/>
               <a:t>Third level</a:t>
             </a:r>
           </a:p>
           <a:p>
             <a:pPr lvl="3"/>
             <a:r>
-              <a:rPr lang="en-US" smtClean="0"/>
+              <a:rPr lang="en-US"/>
               <a:t>Fourth level</a:t>
             </a:r>
           </a:p>
           <a:p>
             <a:pPr lvl="4"/>
             <a:r>
-              <a:rPr lang="en-US" smtClean="0"/>
+              <a:rPr lang="en-US"/>
               <a:t>Fifth level</a:t>
             </a:r>
-            <a:endParaRPr lang="en-US"/>
           </a:p>
         </p:txBody>
       </p:sp>
@@ -685,7 +697,7 @@
           <a:p>
             <a:fld id="{5BCAD085-E8A6-8845-BD4E-CB4CCA059FC4}" type="datetimeFigureOut">
               <a:rPr lang="en-US" smtClean="0"/>
-              <a:t>1/27/13</a:t>
+              <a:t>11/4/25</a:t>
             </a:fld>
             <a:endParaRPr lang="en-US"/>
           </a:p>
@@ -779,10 +791,9 @@
           <a:lstStyle/>
           <a:p>
             <a:r>
-              <a:rPr lang="en-US" smtClean="0"/>
+              <a:rPr lang="en-US"/>
               <a:t>Click to edit Master title style</a:t>
             </a:r>
-            <a:endParaRPr lang="en-US"/>
           </a:p>
         </p:txBody>
       </p:sp>
@@ -803,38 +814,37 @@
           <a:p>
             <a:pPr lvl="0"/>
             <a:r>
-              <a:rPr lang="en-US" smtClean="0"/>
+              <a:rPr lang="en-US"/>
               <a:t>Click to edit Master text styles</a:t>
             </a:r>
           </a:p>
           <a:p>
             <a:pPr lvl="1"/>
             <a:r>
-              <a:rPr lang="en-US" smtClean="0"/>
+              <a:rPr lang="en-US"/>
               <a:t>Second level</a:t>
             </a:r>
           </a:p>
           <a:p>
             <a:pPr lvl="2"/>
             <a:r>
-              <a:rPr lang="en-US" smtClean="0"/>
+              <a:rPr lang="en-US"/>
               <a:t>Third level</a:t>
             </a:r>
           </a:p>
           <a:p>
             <a:pPr lvl="3"/>
             <a:r>
-              <a:rPr lang="en-US" smtClean="0"/>
+              <a:rPr lang="en-US"/>
               <a:t>Fourth level</a:t>
             </a:r>
           </a:p>
           <a:p>
             <a:pPr lvl="4"/>
             <a:r>
-              <a:rPr lang="en-US" smtClean="0"/>
+              <a:rPr lang="en-US"/>
               <a:t>Fifth level</a:t>
             </a:r>
-            <a:endParaRPr lang="en-US"/>
           </a:p>
         </p:txBody>
       </p:sp>
@@ -855,7 +865,7 @@
           <a:p>
             <a:fld id="{5BCAD085-E8A6-8845-BD4E-CB4CCA059FC4}" type="datetimeFigureOut">
               <a:rPr lang="en-US" smtClean="0"/>
-              <a:t>1/27/13</a:t>
+              <a:t>11/4/25</a:t>
             </a:fld>
             <a:endParaRPr lang="en-US"/>
           </a:p>
@@ -958,10 +968,9 @@
           </a:lstStyle>
           <a:p>
             <a:r>
-              <a:rPr lang="en-US" smtClean="0"/>
+              <a:rPr lang="en-US"/>
               <a:t>Click to edit Master title style</a:t>
             </a:r>
-            <a:endParaRPr lang="en-US"/>
           </a:p>
         </p:txBody>
       </p:sp>
@@ -1078,7 +1087,7 @@
           <a:p>
             <a:pPr lvl="0"/>
             <a:r>
-              <a:rPr lang="en-US" smtClean="0"/>
+              <a:rPr lang="en-US"/>
               <a:t>Click to edit Master text styles</a:t>
             </a:r>
           </a:p>
@@ -1101,7 +1110,7 @@
           <a:p>
             <a:fld id="{5BCAD085-E8A6-8845-BD4E-CB4CCA059FC4}" type="datetimeFigureOut">
               <a:rPr lang="en-US" smtClean="0"/>
-              <a:t>1/27/13</a:t>
+              <a:t>11/4/25</a:t>
             </a:fld>
             <a:endParaRPr lang="en-US"/>
           </a:p>
@@ -1195,10 +1204,9 @@
           <a:lstStyle/>
           <a:p>
             <a:r>
-              <a:rPr lang="en-US" smtClean="0"/>
+              <a:rPr lang="en-US"/>
               <a:t>Click to edit Master title style</a:t>
             </a:r>
-            <a:endParaRPr lang="en-US"/>
           </a:p>
         </p:txBody>
       </p:sp>
@@ -1252,38 +1260,37 @@
           <a:p>
             <a:pPr lvl="0"/>
             <a:r>
-              <a:rPr lang="en-US" smtClean="0"/>
+              <a:rPr lang="en-US"/>
               <a:t>Click to edit Master text styles</a:t>
             </a:r>
           </a:p>
           <a:p>
             <a:pPr lvl="1"/>
             <a:r>
-              <a:rPr lang="en-US" smtClean="0"/>
+              <a:rPr lang="en-US"/>
               <a:t>Second level</a:t>
             </a:r>
           </a:p>
           <a:p>
             <a:pPr lvl="2"/>
             <a:r>
-              <a:rPr lang="en-US" smtClean="0"/>
+              <a:rPr lang="en-US"/>
               <a:t>Third level</a:t>
             </a:r>
           </a:p>
           <a:p>
             <a:pPr lvl="3"/>
             <a:r>
-              <a:rPr lang="en-US" smtClean="0"/>
+              <a:rPr lang="en-US"/>
               <a:t>Fourth level</a:t>
             </a:r>
           </a:p>
           <a:p>
             <a:pPr lvl="4"/>
             <a:r>
-              <a:rPr lang="en-US" smtClean="0"/>
+              <a:rPr lang="en-US"/>
               <a:t>Fifth level</a:t>
             </a:r>
-            <a:endParaRPr lang="en-US"/>
           </a:p>
         </p:txBody>
       </p:sp>
@@ -1337,38 +1344,37 @@
           <a:p>
             <a:pPr lvl="0"/>
             <a:r>
-              <a:rPr lang="en-US" smtClean="0"/>
+              <a:rPr lang="en-US"/>
               <a:t>Click to edit Master text styles</a:t>
             </a:r>
           </a:p>
           <a:p>
             <a:pPr lvl="1"/>
             <a:r>
-              <a:rPr lang="en-US" smtClean="0"/>
+              <a:rPr lang="en-US"/>
               <a:t>Second level</a:t>
             </a:r>
           </a:p>
           <a:p>
             <a:pPr lvl="2"/>
             <a:r>
-              <a:rPr lang="en-US" smtClean="0"/>
+              <a:rPr lang="en-US"/>
               <a:t>Third level</a:t>
             </a:r>
           </a:p>
           <a:p>
             <a:pPr lvl="3"/>
             <a:r>
-              <a:rPr lang="en-US" smtClean="0"/>
+              <a:rPr lang="en-US"/>
               <a:t>Fourth level</a:t>
             </a:r>
           </a:p>
           <a:p>
             <a:pPr lvl="4"/>
             <a:r>
-              <a:rPr lang="en-US" smtClean="0"/>
+              <a:rPr lang="en-US"/>
               <a:t>Fifth level</a:t>
             </a:r>
-            <a:endParaRPr lang="en-US"/>
           </a:p>
         </p:txBody>
       </p:sp>
@@ -1389,7 +1395,7 @@
           <a:p>
             <a:fld id="{5BCAD085-E8A6-8845-BD4E-CB4CCA059FC4}" type="datetimeFigureOut">
               <a:rPr lang="en-US" smtClean="0"/>
-              <a:t>1/27/13</a:t>
+              <a:t>11/4/25</a:t>
             </a:fld>
             <a:endParaRPr lang="en-US"/>
           </a:p>
@@ -1487,10 +1493,9 @@
           </a:lstStyle>
           <a:p>
             <a:r>
-              <a:rPr lang="en-US" smtClean="0"/>
+              <a:rPr lang="en-US"/>
               <a:t>Click to edit Master title style</a:t>
             </a:r>
-            <a:endParaRPr lang="en-US"/>
           </a:p>
         </p:txBody>
       </p:sp>
@@ -1553,7 +1558,7 @@
           <a:p>
             <a:pPr lvl="0"/>
             <a:r>
-              <a:rPr lang="en-US" smtClean="0"/>
+              <a:rPr lang="en-US"/>
               <a:t>Click to edit Master text styles</a:t>
             </a:r>
           </a:p>
@@ -1609,38 +1614,37 @@
           <a:p>
             <a:pPr lvl="0"/>
             <a:r>
-              <a:rPr lang="en-US" smtClean="0"/>
+              <a:rPr lang="en-US"/>
               <a:t>Click to edit Master text styles</a:t>
             </a:r>
           </a:p>
           <a:p>
             <a:pPr lvl="1"/>
             <a:r>
-              <a:rPr lang="en-US" smtClean="0"/>
+              <a:rPr lang="en-US"/>
               <a:t>Second level</a:t>
             </a:r>
           </a:p>
           <a:p>
             <a:pPr lvl="2"/>
             <a:r>
-              <a:rPr lang="en-US" smtClean="0"/>
+              <a:rPr lang="en-US"/>
               <a:t>Third level</a:t>
             </a:r>
           </a:p>
           <a:p>
             <a:pPr lvl="3"/>
             <a:r>
-              <a:rPr lang="en-US" smtClean="0"/>
+              <a:rPr lang="en-US"/>
               <a:t>Fourth level</a:t>
             </a:r>
           </a:p>
           <a:p>
             <a:pPr lvl="4"/>
             <a:r>
-              <a:rPr lang="en-US" smtClean="0"/>
+              <a:rPr lang="en-US"/>
               <a:t>Fifth level</a:t>
             </a:r>
-            <a:endParaRPr lang="en-US"/>
           </a:p>
         </p:txBody>
       </p:sp>
@@ -1703,7 +1707,7 @@
           <a:p>
             <a:pPr lvl="0"/>
             <a:r>
-              <a:rPr lang="en-US" smtClean="0"/>
+              <a:rPr lang="en-US"/>
               <a:t>Click to edit Master text styles</a:t>
             </a:r>
           </a:p>
@@ -1759,38 +1763,37 @@
           <a:p>
             <a:pPr lvl="0"/>
             <a:r>
-              <a:rPr lang="en-US" smtClean="0"/>
+              <a:rPr lang="en-US"/>
               <a:t>Click to edit Master text styles</a:t>
             </a:r>
           </a:p>
           <a:p>
             <a:pPr lvl="1"/>
             <a:r>
-              <a:rPr lang="en-US" smtClean="0"/>
+              <a:rPr lang="en-US"/>
               <a:t>Second level</a:t>
             </a:r>
           </a:p>
           <a:p>
             <a:pPr lvl="2"/>
             <a:r>
-              <a:rPr lang="en-US" smtClean="0"/>
+              <a:rPr lang="en-US"/>
               <a:t>Third level</a:t>
             </a:r>
           </a:p>
           <a:p>
             <a:pPr lvl="3"/>
             <a:r>
-              <a:rPr lang="en-US" smtClean="0"/>
+              <a:rPr lang="en-US"/>
               <a:t>Fourth level</a:t>
             </a:r>
           </a:p>
           <a:p>
             <a:pPr lvl="4"/>
             <a:r>
-              <a:rPr lang="en-US" smtClean="0"/>
+              <a:rPr lang="en-US"/>
               <a:t>Fifth level</a:t>
             </a:r>
-            <a:endParaRPr lang="en-US"/>
           </a:p>
         </p:txBody>
       </p:sp>
@@ -1811,7 +1814,7 @@
           <a:p>
             <a:fld id="{5BCAD085-E8A6-8845-BD4E-CB4CCA059FC4}" type="datetimeFigureOut">
               <a:rPr lang="en-US" smtClean="0"/>
-              <a:t>1/27/13</a:t>
+              <a:t>11/4/25</a:t>
             </a:fld>
             <a:endParaRPr lang="en-US"/>
           </a:p>
@@ -1905,10 +1908,9 @@
           <a:lstStyle/>
           <a:p>
             <a:r>
-              <a:rPr lang="en-US" smtClean="0"/>
+              <a:rPr lang="en-US"/>
               <a:t>Click to edit Master title style</a:t>
             </a:r>
-            <a:endParaRPr lang="en-US"/>
           </a:p>
         </p:txBody>
       </p:sp>
@@ -1929,7 +1931,7 @@
           <a:p>
             <a:fld id="{5BCAD085-E8A6-8845-BD4E-CB4CCA059FC4}" type="datetimeFigureOut">
               <a:rPr lang="en-US" smtClean="0"/>
-              <a:t>1/27/13</a:t>
+              <a:t>11/4/25</a:t>
             </a:fld>
             <a:endParaRPr lang="en-US"/>
           </a:p>
@@ -2024,7 +2026,7 @@
           <a:p>
             <a:fld id="{5BCAD085-E8A6-8845-BD4E-CB4CCA059FC4}" type="datetimeFigureOut">
               <a:rPr lang="en-US" smtClean="0"/>
-              <a:t>1/27/13</a:t>
+              <a:t>11/4/25</a:t>
             </a:fld>
             <a:endParaRPr lang="en-US"/>
           </a:p>
@@ -2127,10 +2129,9 @@
           </a:lstStyle>
           <a:p>
             <a:r>
-              <a:rPr lang="en-US" smtClean="0"/>
+              <a:rPr lang="en-US"/>
               <a:t>Click to edit Master title style</a:t>
             </a:r>
-            <a:endParaRPr lang="en-US"/>
           </a:p>
         </p:txBody>
       </p:sp>
@@ -2184,38 +2185,37 @@
           <a:p>
             <a:pPr lvl="0"/>
             <a:r>
-              <a:rPr lang="en-US" smtClean="0"/>
+              <a:rPr lang="en-US"/>
               <a:t>Click to edit Master text styles</a:t>
             </a:r>
           </a:p>
           <a:p>
             <a:pPr lvl="1"/>
             <a:r>
-              <a:rPr lang="en-US" smtClean="0"/>
+              <a:rPr lang="en-US"/>
               <a:t>Second level</a:t>
             </a:r>
           </a:p>
           <a:p>
             <a:pPr lvl="2"/>
             <a:r>
-              <a:rPr lang="en-US" smtClean="0"/>
+              <a:rPr lang="en-US"/>
               <a:t>Third level</a:t>
             </a:r>
           </a:p>
           <a:p>
             <a:pPr lvl="3"/>
             <a:r>
-              <a:rPr lang="en-US" smtClean="0"/>
+              <a:rPr lang="en-US"/>
               <a:t>Fourth level</a:t>
             </a:r>
           </a:p>
           <a:p>
             <a:pPr lvl="4"/>
             <a:r>
-              <a:rPr lang="en-US" smtClean="0"/>
+              <a:rPr lang="en-US"/>
               <a:t>Fifth level</a:t>
             </a:r>
-            <a:endParaRPr lang="en-US"/>
           </a:p>
         </p:txBody>
       </p:sp>
@@ -2278,7 +2278,7 @@
           <a:p>
             <a:pPr lvl="0"/>
             <a:r>
-              <a:rPr lang="en-US" smtClean="0"/>
+              <a:rPr lang="en-US"/>
               <a:t>Click to edit Master text styles</a:t>
             </a:r>
           </a:p>
@@ -2301,7 +2301,7 @@
           <a:p>
             <a:fld id="{5BCAD085-E8A6-8845-BD4E-CB4CCA059FC4}" type="datetimeFigureOut">
               <a:rPr lang="en-US" smtClean="0"/>
-              <a:t>1/27/13</a:t>
+              <a:t>11/4/25</a:t>
             </a:fld>
             <a:endParaRPr lang="en-US"/>
           </a:p>
@@ -2404,10 +2404,9 @@
           </a:lstStyle>
           <a:p>
             <a:r>
-              <a:rPr lang="en-US" smtClean="0"/>
+              <a:rPr lang="en-US"/>
               <a:t>Click to edit Master title style</a:t>
             </a:r>
-            <a:endParaRPr lang="en-US"/>
           </a:p>
         </p:txBody>
       </p:sp>
@@ -2531,7 +2530,7 @@
           <a:p>
             <a:pPr lvl="0"/>
             <a:r>
-              <a:rPr lang="en-US" smtClean="0"/>
+              <a:rPr lang="en-US"/>
               <a:t>Click to edit Master text styles</a:t>
             </a:r>
           </a:p>
@@ -2554,7 +2553,7 @@
           <a:p>
             <a:fld id="{5BCAD085-E8A6-8845-BD4E-CB4CCA059FC4}" type="datetimeFigureOut">
               <a:rPr lang="en-US" smtClean="0"/>
-              <a:t>1/27/13</a:t>
+              <a:t>11/4/25</a:t>
             </a:fld>
             <a:endParaRPr lang="en-US"/>
           </a:p>
@@ -2663,10 +2662,9 @@
           <a:lstStyle/>
           <a:p>
             <a:r>
-              <a:rPr lang="en-US" smtClean="0"/>
+              <a:rPr lang="en-US"/>
               <a:t>Click to edit Master title style</a:t>
             </a:r>
-            <a:endParaRPr lang="en-US"/>
           </a:p>
         </p:txBody>
       </p:sp>
@@ -2697,38 +2695,37 @@
           <a:p>
             <a:pPr lvl="0"/>
             <a:r>
-              <a:rPr lang="en-US" smtClean="0"/>
+              <a:rPr lang="en-US"/>
               <a:t>Click to edit Master text styles</a:t>
             </a:r>
           </a:p>
           <a:p>
             <a:pPr lvl="1"/>
             <a:r>
-              <a:rPr lang="en-US" smtClean="0"/>
+              <a:rPr lang="en-US"/>
               <a:t>Second level</a:t>
             </a:r>
           </a:p>
           <a:p>
             <a:pPr lvl="2"/>
             <a:r>
-              <a:rPr lang="en-US" smtClean="0"/>
+              <a:rPr lang="en-US"/>
               <a:t>Third level</a:t>
             </a:r>
           </a:p>
           <a:p>
             <a:pPr lvl="3"/>
             <a:r>
-              <a:rPr lang="en-US" smtClean="0"/>
+              <a:rPr lang="en-US"/>
               <a:t>Fourth level</a:t>
             </a:r>
           </a:p>
           <a:p>
             <a:pPr lvl="4"/>
             <a:r>
-              <a:rPr lang="en-US" smtClean="0"/>
+              <a:rPr lang="en-US"/>
               <a:t>Fifth level</a:t>
             </a:r>
-            <a:endParaRPr lang="en-US"/>
           </a:p>
         </p:txBody>
       </p:sp>
@@ -2767,7 +2764,7 @@
           <a:p>
             <a:fld id="{5BCAD085-E8A6-8845-BD4E-CB4CCA059FC4}" type="datetimeFigureOut">
               <a:rPr lang="en-US" smtClean="0"/>
-              <a:t>1/27/13</a:t>
+              <a:t>11/4/25</a:t>
             </a:fld>
             <a:endParaRPr lang="en-US"/>
           </a:p>
@@ -3126,7 +3123,7 @@
 </file>
 
 <file path=ppt/slides/slide1.xml><?xml version="1.0" encoding="utf-8"?>
-<p:sld xmlns:a="http://schemas.openxmlformats.org/drawingml/2006/main" xmlns:p="http://schemas.openxmlformats.org/presentationml/2006/main" xmlns:r="http://schemas.openxmlformats.org/officeDocument/2006/relationships">
+<p:sld xmlns:a="http://schemas.openxmlformats.org/drawingml/2006/main" xmlns:r="http://schemas.openxmlformats.org/officeDocument/2006/relationships" xmlns:p="http://schemas.openxmlformats.org/presentationml/2006/main">
   <p:cSld>
     <p:spTree>
       <p:nvGrpSpPr>
@@ -3134,7 +3131,14 @@
         <p:cNvGrpSpPr/>
         <p:nvPr/>
       </p:nvGrpSpPr>
-      <p:grpSpPr/>
+      <p:grpSpPr>
+        <a:xfrm>
+          <a:off x="0" y="0"/>
+          <a:ext cx="0" cy="0"/>
+          <a:chOff x="0" y="0"/>
+          <a:chExt cx="0" cy="0"/>
+        </a:xfrm>
+      </p:grpSpPr>
       <p:sp>
         <p:nvSpPr>
           <p:cNvPr id="2" name="Title 1"/>
@@ -3151,8 +3155,10 @@
           <a:lstStyle/>
           <a:p>
             <a:r>
-              <a:t>Lecture 1: Week 1 — Introduction &amp; Data Life-cycle</a:t>
-            </a:r>
+              <a:rPr lang="en-GB" dirty="0"/>
+              <a:t>Big Data Analytics</a:t>
+            </a:r>
+            <a:endParaRPr dirty="0"/>
           </a:p>
         </p:txBody>
       </p:sp>
@@ -3172,7 +3178,8 @@
           <a:lstStyle/>
           <a:p>
             <a:r>
-              <a:t>Definitions, types of big data, data stages, course overview</a:t>
+              <a:rPr lang="en-GB" dirty="0"/>
+              <a:t>Soumya Banerjee</a:t>
             </a:r>
           </a:p>
         </p:txBody>
@@ -3186,7 +3193,7 @@
 </file>
 
 <file path=ppt/slides/slide10.xml><?xml version="1.0" encoding="utf-8"?>
-<p:sld xmlns:a="http://schemas.openxmlformats.org/drawingml/2006/main" xmlns:p="http://schemas.openxmlformats.org/presentationml/2006/main" xmlns:r="http://schemas.openxmlformats.org/officeDocument/2006/relationships">
+<p:sld xmlns:a="http://schemas.openxmlformats.org/drawingml/2006/main" xmlns:r="http://schemas.openxmlformats.org/officeDocument/2006/relationships" xmlns:p="http://schemas.openxmlformats.org/presentationml/2006/main">
   <p:cSld>
     <p:spTree>
       <p:nvGrpSpPr>
@@ -3194,7 +3201,14 @@
         <p:cNvGrpSpPr/>
         <p:nvPr/>
       </p:nvGrpSpPr>
-      <p:grpSpPr/>
+      <p:grpSpPr>
+        <a:xfrm>
+          <a:off x="0" y="0"/>
+          <a:ext cx="0" cy="0"/>
+          <a:chOff x="0" y="0"/>
+          <a:chExt cx="0" cy="0"/>
+        </a:xfrm>
+      </p:grpSpPr>
       <p:sp>
         <p:nvSpPr>
           <p:cNvPr id="2" name="Title 1"/>
@@ -3202,51 +3216,37 @@
             <a:spLocks noGrp="1"/>
           </p:cNvSpPr>
           <p:nvPr>
-            <p:ph type="title"/>
-          </p:nvPr>
-        </p:nvSpPr>
-        <p:spPr/>
-        <p:txBody>
-          <a:bodyPr/>
-          <a:lstStyle/>
-          <a:p>
-            <a:r>
-              <a:t>Learning Objectives</a:t>
-            </a:r>
-          </a:p>
-        </p:txBody>
-      </p:sp>
-      <p:sp>
-        <p:nvSpPr>
-          <p:cNvPr id="3" name="Content Placeholder 2"/>
-          <p:cNvSpPr>
-            <a:spLocks noGrp="1"/>
-          </p:cNvSpPr>
-          <p:nvPr>
-            <p:ph idx="1"/>
-          </p:nvPr>
-        </p:nvSpPr>
-        <p:spPr/>
-        <p:txBody>
-          <a:bodyPr/>
-          <a:lstStyle/>
-          <a:p/>
-          <a:p>
-            <a:pPr/>
-            <a:r>
-              <a:t>Understand the core concepts introduced in Week 3 — Data Pre-processing I (pandas &amp; pipelines)</a:t>
-            </a:r>
-          </a:p>
-          <a:p>
-            <a:pPr/>
-            <a:r>
-              <a:t>Be able to explain and contrast the main approaches</a:t>
-            </a:r>
-          </a:p>
-          <a:p>
-            <a:pPr/>
-            <a:r>
-              <a:t>Apply at least one practical technique in a lab setting</a:t>
+            <p:ph type="ctrTitle"/>
+          </p:nvPr>
+        </p:nvSpPr>
+        <p:spPr/>
+        <p:txBody>
+          <a:bodyPr/>
+          <a:lstStyle/>
+          <a:p>
+            <a:r>
+              <a:t>Lecture 3: Week 3 — Data Pre-processing I (pandas &amp; pipelines)</a:t>
+            </a:r>
+          </a:p>
+        </p:txBody>
+      </p:sp>
+      <p:sp>
+        <p:nvSpPr>
+          <p:cNvPr id="3" name="Subtitle 2"/>
+          <p:cNvSpPr>
+            <a:spLocks noGrp="1"/>
+          </p:cNvSpPr>
+          <p:nvPr>
+            <p:ph type="subTitle" idx="1"/>
+          </p:nvPr>
+        </p:nvSpPr>
+        <p:spPr/>
+        <p:txBody>
+          <a:bodyPr/>
+          <a:lstStyle/>
+          <a:p>
+            <a:r>
+              <a:t>Cleaning, missing data, type conversion, pipelines</a:t>
             </a:r>
           </a:p>
         </p:txBody>
@@ -3260,7 +3260,7 @@
 </file>
 
 <file path=ppt/slides/slide11.xml><?xml version="1.0" encoding="utf-8"?>
-<p:sld xmlns:a="http://schemas.openxmlformats.org/drawingml/2006/main" xmlns:p="http://schemas.openxmlformats.org/presentationml/2006/main" xmlns:r="http://schemas.openxmlformats.org/officeDocument/2006/relationships">
+<p:sld xmlns:a="http://schemas.openxmlformats.org/drawingml/2006/main" xmlns:r="http://schemas.openxmlformats.org/officeDocument/2006/relationships" xmlns:p="http://schemas.openxmlformats.org/presentationml/2006/main">
   <p:cSld>
     <p:spTree>
       <p:nvGrpSpPr>
@@ -3268,7 +3268,14 @@
         <p:cNvGrpSpPr/>
         <p:nvPr/>
       </p:nvGrpSpPr>
-      <p:grpSpPr/>
+      <p:grpSpPr>
+        <a:xfrm>
+          <a:off x="0" y="0"/>
+          <a:ext cx="0" cy="0"/>
+          <a:chOff x="0" y="0"/>
+          <a:chExt cx="0" cy="0"/>
+        </a:xfrm>
+      </p:grpSpPr>
       <p:sp>
         <p:nvSpPr>
           <p:cNvPr id="2" name="Title 1"/>
@@ -3285,7 +3292,7 @@
           <a:lstStyle/>
           <a:p>
             <a:r>
-              <a:t>Key Topics</a:t>
+              <a:t>Learning Objectives</a:t>
             </a:r>
           </a:p>
         </p:txBody>
@@ -3304,29 +3311,22 @@
         <p:txBody>
           <a:bodyPr/>
           <a:lstStyle/>
-          <a:p/>
-          <a:p>
-            <a:pPr/>
-            <a:r>
-              <a:t>Pandas basics for large-ish tables</a:t>
-            </a:r>
-          </a:p>
-          <a:p>
-            <a:pPr/>
-            <a:r>
-              <a:t>Handling missing values &amp; types</a:t>
-            </a:r>
-          </a:p>
-          <a:p>
-            <a:pPr/>
-            <a:r>
-              <a:t>Vectorised operations &amp; pipelines</a:t>
-            </a:r>
-          </a:p>
-          <a:p>
-            <a:pPr/>
-            <a:r>
-              <a:t>Performance tips (dtypes, categorical)</a:t>
+          <a:p>
+            <a:endParaRPr/>
+          </a:p>
+          <a:p>
+            <a:r>
+              <a:t>Understand the core concepts introduced in Week 3 — Data Pre-processing I (pandas &amp; pipelines)</a:t>
+            </a:r>
+          </a:p>
+          <a:p>
+            <a:r>
+              <a:t>Be able to explain and contrast the main approaches</a:t>
+            </a:r>
+          </a:p>
+          <a:p>
+            <a:r>
+              <a:t>Apply at least one practical technique in a lab setting</a:t>
             </a:r>
           </a:p>
         </p:txBody>
@@ -3340,7 +3340,7 @@
 </file>
 
 <file path=ppt/slides/slide12.xml><?xml version="1.0" encoding="utf-8"?>
-<p:sld xmlns:a="http://schemas.openxmlformats.org/drawingml/2006/main" xmlns:p="http://schemas.openxmlformats.org/presentationml/2006/main" xmlns:r="http://schemas.openxmlformats.org/officeDocument/2006/relationships">
+<p:sld xmlns:a="http://schemas.openxmlformats.org/drawingml/2006/main" xmlns:r="http://schemas.openxmlformats.org/officeDocument/2006/relationships" xmlns:p="http://schemas.openxmlformats.org/presentationml/2006/main">
   <p:cSld>
     <p:spTree>
       <p:nvGrpSpPr>
@@ -3348,7 +3348,14 @@
         <p:cNvGrpSpPr/>
         <p:nvPr/>
       </p:nvGrpSpPr>
-      <p:grpSpPr/>
+      <p:grpSpPr>
+        <a:xfrm>
+          <a:off x="0" y="0"/>
+          <a:ext cx="0" cy="0"/>
+          <a:chOff x="0" y="0"/>
+          <a:chExt cx="0" cy="0"/>
+        </a:xfrm>
+      </p:grpSpPr>
       <p:sp>
         <p:nvSpPr>
           <p:cNvPr id="2" name="Title 1"/>
@@ -3365,7 +3372,7 @@
           <a:lstStyle/>
           <a:p>
             <a:r>
-              <a:t>Activity / Readings</a:t>
+              <a:t>Key Topics</a:t>
             </a:r>
           </a:p>
         </p:txBody>
@@ -3384,17 +3391,27 @@
         <p:txBody>
           <a:bodyPr/>
           <a:lstStyle/>
-          <a:p/>
-          <a:p>
-            <a:pPr/>
-            <a:r>
-              <a:t>Lab: pandas cleaning practical (submit 1-page summary)</a:t>
-            </a:r>
-          </a:p>
-          <a:p>
-            <a:pPr/>
-            <a:r>
-              <a:t>Notebook: practical_a_pandas.ipynb (provided)</a:t>
+          <a:p>
+            <a:endParaRPr/>
+          </a:p>
+          <a:p>
+            <a:r>
+              <a:t>Pandas basics for large-ish tables</a:t>
+            </a:r>
+          </a:p>
+          <a:p>
+            <a:r>
+              <a:t>Handling missing values &amp; types</a:t>
+            </a:r>
+          </a:p>
+          <a:p>
+            <a:r>
+              <a:t>Vectorised operations &amp; pipelines</a:t>
+            </a:r>
+          </a:p>
+          <a:p>
+            <a:r>
+              <a:t>Performance tips (dtypes, categorical)</a:t>
             </a:r>
           </a:p>
         </p:txBody>
@@ -3408,7 +3425,7 @@
 </file>
 
 <file path=ppt/slides/slide13.xml><?xml version="1.0" encoding="utf-8"?>
-<p:sld xmlns:a="http://schemas.openxmlformats.org/drawingml/2006/main" xmlns:p="http://schemas.openxmlformats.org/presentationml/2006/main" xmlns:r="http://schemas.openxmlformats.org/officeDocument/2006/relationships">
+<p:sld xmlns:a="http://schemas.openxmlformats.org/drawingml/2006/main" xmlns:r="http://schemas.openxmlformats.org/officeDocument/2006/relationships" xmlns:p="http://schemas.openxmlformats.org/presentationml/2006/main">
   <p:cSld>
     <p:spTree>
       <p:nvGrpSpPr>
@@ -3416,7 +3433,14 @@
         <p:cNvGrpSpPr/>
         <p:nvPr/>
       </p:nvGrpSpPr>
-      <p:grpSpPr/>
+      <p:grpSpPr>
+        <a:xfrm>
+          <a:off x="0" y="0"/>
+          <a:ext cx="0" cy="0"/>
+          <a:chOff x="0" y="0"/>
+          <a:chExt cx="0" cy="0"/>
+        </a:xfrm>
+      </p:grpSpPr>
       <p:sp>
         <p:nvSpPr>
           <p:cNvPr id="2" name="Title 1"/>
@@ -3424,38 +3448,69 @@
             <a:spLocks noGrp="1"/>
           </p:cNvSpPr>
           <p:nvPr>
-            <p:ph type="ctrTitle"/>
-          </p:nvPr>
-        </p:nvSpPr>
-        <p:spPr/>
-        <p:txBody>
-          <a:bodyPr/>
-          <a:lstStyle/>
-          <a:p>
-            <a:r>
-              <a:t>Lecture 4: Week 4 — Data Pre-processing II (ETL &amp; Streaming)</a:t>
-            </a:r>
-          </a:p>
-        </p:txBody>
-      </p:sp>
-      <p:sp>
-        <p:nvSpPr>
-          <p:cNvPr id="3" name="Subtitle 2"/>
-          <p:cNvSpPr>
-            <a:spLocks noGrp="1"/>
-          </p:cNvSpPr>
-          <p:nvPr>
-            <p:ph type="subTitle" idx="1"/>
-          </p:nvPr>
-        </p:nvSpPr>
-        <p:spPr/>
-        <p:txBody>
-          <a:bodyPr/>
-          <a:lstStyle/>
-          <a:p>
-            <a:r>
-              <a:t>Batch vs streaming, ETL patterns, data locality</a:t>
-            </a:r>
+            <p:ph type="title"/>
+          </p:nvPr>
+        </p:nvSpPr>
+        <p:spPr/>
+        <p:txBody>
+          <a:bodyPr/>
+          <a:lstStyle/>
+          <a:p>
+            <a:r>
+              <a:t>Activity / Readings</a:t>
+            </a:r>
+          </a:p>
+        </p:txBody>
+      </p:sp>
+      <p:sp>
+        <p:nvSpPr>
+          <p:cNvPr id="3" name="Content Placeholder 2"/>
+          <p:cNvSpPr>
+            <a:spLocks noGrp="1"/>
+          </p:cNvSpPr>
+          <p:nvPr>
+            <p:ph idx="1"/>
+          </p:nvPr>
+        </p:nvSpPr>
+        <p:spPr/>
+        <p:txBody>
+          <a:bodyPr/>
+          <a:lstStyle/>
+          <a:p>
+            <a:endParaRPr dirty="0"/>
+          </a:p>
+          <a:p>
+            <a:r>
+              <a:rPr dirty="0"/>
+              <a:t>Lab: pandas cleaning practical (submit 1-page summary)</a:t>
+            </a:r>
+          </a:p>
+          <a:p>
+            <a:r>
+              <a:rPr dirty="0"/>
+              <a:t>Notebook: </a:t>
+            </a:r>
+            <a:r>
+              <a:rPr dirty="0" err="1"/>
+              <a:t>practical_a_pandas.ipynb</a:t>
+            </a:r>
+            <a:r>
+              <a:rPr dirty="0"/>
+              <a:t> (provided)</a:t>
+            </a:r>
+            <a:endParaRPr lang="en-GB" dirty="0"/>
+          </a:p>
+          <a:p>
+            <a:r>
+              <a:rPr lang="en-GB" dirty="0">
+                <a:hlinkClick r:id="rId2"/>
+              </a:rPr>
+              <a:t>https://github.com/neelsoumya/teaching_big_data_analytics/blob/main/practical_a_pandas.py</a:t>
+            </a:r>
+            <a:endParaRPr lang="en-GB" dirty="0"/>
+          </a:p>
+          <a:p>
+            <a:endParaRPr dirty="0"/>
           </a:p>
         </p:txBody>
       </p:sp>
@@ -3468,7 +3523,7 @@
 </file>
 
 <file path=ppt/slides/slide14.xml><?xml version="1.0" encoding="utf-8"?>
-<p:sld xmlns:a="http://schemas.openxmlformats.org/drawingml/2006/main" xmlns:p="http://schemas.openxmlformats.org/presentationml/2006/main" xmlns:r="http://schemas.openxmlformats.org/officeDocument/2006/relationships">
+<p:sld xmlns:a="http://schemas.openxmlformats.org/drawingml/2006/main" xmlns:r="http://schemas.openxmlformats.org/officeDocument/2006/relationships" xmlns:p="http://schemas.openxmlformats.org/presentationml/2006/main">
   <p:cSld>
     <p:spTree>
       <p:nvGrpSpPr>
@@ -3476,7 +3531,14 @@
         <p:cNvGrpSpPr/>
         <p:nvPr/>
       </p:nvGrpSpPr>
-      <p:grpSpPr/>
+      <p:grpSpPr>
+        <a:xfrm>
+          <a:off x="0" y="0"/>
+          <a:ext cx="0" cy="0"/>
+          <a:chOff x="0" y="0"/>
+          <a:chExt cx="0" cy="0"/>
+        </a:xfrm>
+      </p:grpSpPr>
       <p:sp>
         <p:nvSpPr>
           <p:cNvPr id="2" name="Title 1"/>
@@ -3484,51 +3546,37 @@
             <a:spLocks noGrp="1"/>
           </p:cNvSpPr>
           <p:nvPr>
-            <p:ph type="title"/>
-          </p:nvPr>
-        </p:nvSpPr>
-        <p:spPr/>
-        <p:txBody>
-          <a:bodyPr/>
-          <a:lstStyle/>
-          <a:p>
-            <a:r>
-              <a:t>Learning Objectives</a:t>
-            </a:r>
-          </a:p>
-        </p:txBody>
-      </p:sp>
-      <p:sp>
-        <p:nvSpPr>
-          <p:cNvPr id="3" name="Content Placeholder 2"/>
-          <p:cNvSpPr>
-            <a:spLocks noGrp="1"/>
-          </p:cNvSpPr>
-          <p:nvPr>
-            <p:ph idx="1"/>
-          </p:nvPr>
-        </p:nvSpPr>
-        <p:spPr/>
-        <p:txBody>
-          <a:bodyPr/>
-          <a:lstStyle/>
-          <a:p/>
-          <a:p>
-            <a:pPr/>
-            <a:r>
-              <a:t>Understand the core concepts introduced in Week 4 — Data Pre-processing II (ETL &amp; Streaming)</a:t>
-            </a:r>
-          </a:p>
-          <a:p>
-            <a:pPr/>
-            <a:r>
-              <a:t>Be able to explain and contrast the main approaches</a:t>
-            </a:r>
-          </a:p>
-          <a:p>
-            <a:pPr/>
-            <a:r>
-              <a:t>Apply at least one practical technique in a lab setting</a:t>
+            <p:ph type="ctrTitle"/>
+          </p:nvPr>
+        </p:nvSpPr>
+        <p:spPr/>
+        <p:txBody>
+          <a:bodyPr/>
+          <a:lstStyle/>
+          <a:p>
+            <a:r>
+              <a:t>Lecture 4: Week 4 — Data Pre-processing II (ETL &amp; Streaming)</a:t>
+            </a:r>
+          </a:p>
+        </p:txBody>
+      </p:sp>
+      <p:sp>
+        <p:nvSpPr>
+          <p:cNvPr id="3" name="Subtitle 2"/>
+          <p:cNvSpPr>
+            <a:spLocks noGrp="1"/>
+          </p:cNvSpPr>
+          <p:nvPr>
+            <p:ph type="subTitle" idx="1"/>
+          </p:nvPr>
+        </p:nvSpPr>
+        <p:spPr/>
+        <p:txBody>
+          <a:bodyPr/>
+          <a:lstStyle/>
+          <a:p>
+            <a:r>
+              <a:t>Batch vs streaming, ETL patterns, data locality</a:t>
             </a:r>
           </a:p>
         </p:txBody>
@@ -3542,7 +3590,7 @@
 </file>
 
 <file path=ppt/slides/slide15.xml><?xml version="1.0" encoding="utf-8"?>
-<p:sld xmlns:a="http://schemas.openxmlformats.org/drawingml/2006/main" xmlns:p="http://schemas.openxmlformats.org/presentationml/2006/main" xmlns:r="http://schemas.openxmlformats.org/officeDocument/2006/relationships">
+<p:sld xmlns:a="http://schemas.openxmlformats.org/drawingml/2006/main" xmlns:r="http://schemas.openxmlformats.org/officeDocument/2006/relationships" xmlns:p="http://schemas.openxmlformats.org/presentationml/2006/main">
   <p:cSld>
     <p:spTree>
       <p:nvGrpSpPr>
@@ -3550,7 +3598,14 @@
         <p:cNvGrpSpPr/>
         <p:nvPr/>
       </p:nvGrpSpPr>
-      <p:grpSpPr/>
+      <p:grpSpPr>
+        <a:xfrm>
+          <a:off x="0" y="0"/>
+          <a:ext cx="0" cy="0"/>
+          <a:chOff x="0" y="0"/>
+          <a:chExt cx="0" cy="0"/>
+        </a:xfrm>
+      </p:grpSpPr>
       <p:sp>
         <p:nvSpPr>
           <p:cNvPr id="2" name="Title 1"/>
@@ -3567,7 +3622,7 @@
           <a:lstStyle/>
           <a:p>
             <a:r>
-              <a:t>Key Topics</a:t>
+              <a:t>Learning Objectives</a:t>
             </a:r>
           </a:p>
         </p:txBody>
@@ -3586,29 +3641,33 @@
         <p:txBody>
           <a:bodyPr/>
           <a:lstStyle/>
-          <a:p/>
-          <a:p>
-            <a:pPr/>
-            <a:r>
-              <a:t>ETL design patterns</a:t>
-            </a:r>
-          </a:p>
-          <a:p>
-            <a:pPr/>
-            <a:r>
-              <a:t>Batch vs Stream processing</a:t>
-            </a:r>
-          </a:p>
-          <a:p>
-            <a:pPr/>
-            <a:r>
-              <a:t>Tools: Airflow, Kafka (intro)</a:t>
-            </a:r>
-          </a:p>
-          <a:p>
-            <a:pPr/>
-            <a:r>
-              <a:t>Data locality &amp; checkpointing</a:t>
+          <a:p>
+            <a:endParaRPr dirty="0"/>
+          </a:p>
+          <a:p>
+            <a:r>
+              <a:rPr dirty="0"/>
+              <a:t>Understand the core concepts introduced in Week 4 </a:t>
+            </a:r>
+            <a:r>
+              <a:rPr lang="en-GB" dirty="0"/>
+              <a:t>:</a:t>
+            </a:r>
+            <a:r>
+              <a:rPr dirty="0"/>
+              <a:t> Data Pre-processing II (ETL &amp; Streaming)</a:t>
+            </a:r>
+          </a:p>
+          <a:p>
+            <a:r>
+              <a:rPr dirty="0"/>
+              <a:t>Be able to explain and contrast the main approaches</a:t>
+            </a:r>
+          </a:p>
+          <a:p>
+            <a:r>
+              <a:rPr dirty="0"/>
+              <a:t>Apply at least one practical technique in a lab setting</a:t>
             </a:r>
           </a:p>
         </p:txBody>
@@ -3622,7 +3681,7 @@
 </file>
 
 <file path=ppt/slides/slide16.xml><?xml version="1.0" encoding="utf-8"?>
-<p:sld xmlns:a="http://schemas.openxmlformats.org/drawingml/2006/main" xmlns:p="http://schemas.openxmlformats.org/presentationml/2006/main" xmlns:r="http://schemas.openxmlformats.org/officeDocument/2006/relationships">
+<p:sld xmlns:a="http://schemas.openxmlformats.org/drawingml/2006/main" xmlns:r="http://schemas.openxmlformats.org/officeDocument/2006/relationships" xmlns:p="http://schemas.openxmlformats.org/presentationml/2006/main">
   <p:cSld>
     <p:spTree>
       <p:nvGrpSpPr>
@@ -3630,7 +3689,14 @@
         <p:cNvGrpSpPr/>
         <p:nvPr/>
       </p:nvGrpSpPr>
-      <p:grpSpPr/>
+      <p:grpSpPr>
+        <a:xfrm>
+          <a:off x="0" y="0"/>
+          <a:ext cx="0" cy="0"/>
+          <a:chOff x="0" y="0"/>
+          <a:chExt cx="0" cy="0"/>
+        </a:xfrm>
+      </p:grpSpPr>
       <p:sp>
         <p:nvSpPr>
           <p:cNvPr id="2" name="Title 1"/>
@@ -3647,7 +3713,7 @@
           <a:lstStyle/>
           <a:p>
             <a:r>
-              <a:t>Activity / Readings</a:t>
+              <a:t>Key Topics</a:t>
             </a:r>
           </a:p>
         </p:txBody>
@@ -3666,17 +3732,27 @@
         <p:txBody>
           <a:bodyPr/>
           <a:lstStyle/>
-          <a:p/>
-          <a:p>
-            <a:pPr/>
-            <a:r>
-              <a:t>Design: mini ETL sketch for given dataset</a:t>
-            </a:r>
-          </a:p>
-          <a:p>
-            <a:pPr/>
-            <a:r>
-              <a:t>Reading: streaming patterns summary</a:t>
+          <a:p>
+            <a:endParaRPr/>
+          </a:p>
+          <a:p>
+            <a:r>
+              <a:t>ETL design patterns</a:t>
+            </a:r>
+          </a:p>
+          <a:p>
+            <a:r>
+              <a:t>Batch vs Stream processing</a:t>
+            </a:r>
+          </a:p>
+          <a:p>
+            <a:r>
+              <a:t>Tools: Airflow, Kafka (intro)</a:t>
+            </a:r>
+          </a:p>
+          <a:p>
+            <a:r>
+              <a:t>Data locality &amp; checkpointing</a:t>
             </a:r>
           </a:p>
         </p:txBody>
@@ -3690,7 +3766,7 @@
 </file>
 
 <file path=ppt/slides/slide17.xml><?xml version="1.0" encoding="utf-8"?>
-<p:sld xmlns:a="http://schemas.openxmlformats.org/drawingml/2006/main" xmlns:p="http://schemas.openxmlformats.org/presentationml/2006/main" xmlns:r="http://schemas.openxmlformats.org/officeDocument/2006/relationships">
+<p:sld xmlns:a="http://schemas.openxmlformats.org/drawingml/2006/main" xmlns:r="http://schemas.openxmlformats.org/officeDocument/2006/relationships" xmlns:p="http://schemas.openxmlformats.org/presentationml/2006/main">
   <p:cSld>
     <p:spTree>
       <p:nvGrpSpPr>
@@ -3698,7 +3774,14 @@
         <p:cNvGrpSpPr/>
         <p:nvPr/>
       </p:nvGrpSpPr>
-      <p:grpSpPr/>
+      <p:grpSpPr>
+        <a:xfrm>
+          <a:off x="0" y="0"/>
+          <a:ext cx="0" cy="0"/>
+          <a:chOff x="0" y="0"/>
+          <a:chExt cx="0" cy="0"/>
+        </a:xfrm>
+      </p:grpSpPr>
       <p:sp>
         <p:nvSpPr>
           <p:cNvPr id="2" name="Title 1"/>
@@ -3706,37 +3789,45 @@
             <a:spLocks noGrp="1"/>
           </p:cNvSpPr>
           <p:nvPr>
-            <p:ph type="ctrTitle"/>
-          </p:nvPr>
-        </p:nvSpPr>
-        <p:spPr/>
-        <p:txBody>
-          <a:bodyPr/>
-          <a:lstStyle/>
-          <a:p>
-            <a:r>
-              <a:t>Lecture 5: Week 5 — Exploratory Data Analysis &amp; Visualization</a:t>
-            </a:r>
-          </a:p>
-        </p:txBody>
-      </p:sp>
-      <p:sp>
-        <p:nvSpPr>
-          <p:cNvPr id="3" name="Subtitle 2"/>
-          <p:cNvSpPr>
-            <a:spLocks noGrp="1"/>
-          </p:cNvSpPr>
-          <p:nvPr>
-            <p:ph type="subTitle" idx="1"/>
-          </p:nvPr>
-        </p:nvSpPr>
-        <p:spPr/>
-        <p:txBody>
-          <a:bodyPr/>
-          <a:lstStyle/>
-          <a:p>
-            <a:r>
-              <a:t>Aggregation, grouping, visualization for big datasets</a:t>
+            <p:ph type="title"/>
+          </p:nvPr>
+        </p:nvSpPr>
+        <p:spPr/>
+        <p:txBody>
+          <a:bodyPr/>
+          <a:lstStyle/>
+          <a:p>
+            <a:r>
+              <a:t>Activity / Readings</a:t>
+            </a:r>
+          </a:p>
+        </p:txBody>
+      </p:sp>
+      <p:sp>
+        <p:nvSpPr>
+          <p:cNvPr id="3" name="Content Placeholder 2"/>
+          <p:cNvSpPr>
+            <a:spLocks noGrp="1"/>
+          </p:cNvSpPr>
+          <p:nvPr>
+            <p:ph idx="1"/>
+          </p:nvPr>
+        </p:nvSpPr>
+        <p:spPr/>
+        <p:txBody>
+          <a:bodyPr/>
+          <a:lstStyle/>
+          <a:p>
+            <a:endParaRPr/>
+          </a:p>
+          <a:p>
+            <a:r>
+              <a:t>Design: mini ETL sketch for given dataset</a:t>
+            </a:r>
+          </a:p>
+          <a:p>
+            <a:r>
+              <a:t>Reading: streaming patterns summary</a:t>
             </a:r>
           </a:p>
         </p:txBody>
@@ -3750,7 +3841,7 @@
 </file>
 
 <file path=ppt/slides/slide18.xml><?xml version="1.0" encoding="utf-8"?>
-<p:sld xmlns:a="http://schemas.openxmlformats.org/drawingml/2006/main" xmlns:p="http://schemas.openxmlformats.org/presentationml/2006/main" xmlns:r="http://schemas.openxmlformats.org/officeDocument/2006/relationships">
+<p:sld xmlns:a="http://schemas.openxmlformats.org/drawingml/2006/main" xmlns:r="http://schemas.openxmlformats.org/officeDocument/2006/relationships" xmlns:p="http://schemas.openxmlformats.org/presentationml/2006/main">
   <p:cSld>
     <p:spTree>
       <p:nvGrpSpPr>
@@ -3758,7 +3849,14 @@
         <p:cNvGrpSpPr/>
         <p:nvPr/>
       </p:nvGrpSpPr>
-      <p:grpSpPr/>
+      <p:grpSpPr>
+        <a:xfrm>
+          <a:off x="0" y="0"/>
+          <a:ext cx="0" cy="0"/>
+          <a:chOff x="0" y="0"/>
+          <a:chExt cx="0" cy="0"/>
+        </a:xfrm>
+      </p:grpSpPr>
       <p:sp>
         <p:nvSpPr>
           <p:cNvPr id="2" name="Title 1"/>
@@ -3766,51 +3864,37 @@
             <a:spLocks noGrp="1"/>
           </p:cNvSpPr>
           <p:nvPr>
-            <p:ph type="title"/>
-          </p:nvPr>
-        </p:nvSpPr>
-        <p:spPr/>
-        <p:txBody>
-          <a:bodyPr/>
-          <a:lstStyle/>
-          <a:p>
-            <a:r>
-              <a:t>Learning Objectives</a:t>
-            </a:r>
-          </a:p>
-        </p:txBody>
-      </p:sp>
-      <p:sp>
-        <p:nvSpPr>
-          <p:cNvPr id="3" name="Content Placeholder 2"/>
-          <p:cNvSpPr>
-            <a:spLocks noGrp="1"/>
-          </p:cNvSpPr>
-          <p:nvPr>
-            <p:ph idx="1"/>
-          </p:nvPr>
-        </p:nvSpPr>
-        <p:spPr/>
-        <p:txBody>
-          <a:bodyPr/>
-          <a:lstStyle/>
-          <a:p/>
-          <a:p>
-            <a:pPr/>
-            <a:r>
-              <a:t>Understand the core concepts introduced in Week 5 — Exploratory Data Analysis &amp; Visualization</a:t>
-            </a:r>
-          </a:p>
-          <a:p>
-            <a:pPr/>
-            <a:r>
-              <a:t>Be able to explain and contrast the main approaches</a:t>
-            </a:r>
-          </a:p>
-          <a:p>
-            <a:pPr/>
-            <a:r>
-              <a:t>Apply at least one practical technique in a lab setting</a:t>
+            <p:ph type="ctrTitle"/>
+          </p:nvPr>
+        </p:nvSpPr>
+        <p:spPr/>
+        <p:txBody>
+          <a:bodyPr/>
+          <a:lstStyle/>
+          <a:p>
+            <a:r>
+              <a:t>Lecture 5: Week 5 — Exploratory Data Analysis &amp; Visualization</a:t>
+            </a:r>
+          </a:p>
+        </p:txBody>
+      </p:sp>
+      <p:sp>
+        <p:nvSpPr>
+          <p:cNvPr id="3" name="Subtitle 2"/>
+          <p:cNvSpPr>
+            <a:spLocks noGrp="1"/>
+          </p:cNvSpPr>
+          <p:nvPr>
+            <p:ph type="subTitle" idx="1"/>
+          </p:nvPr>
+        </p:nvSpPr>
+        <p:spPr/>
+        <p:txBody>
+          <a:bodyPr/>
+          <a:lstStyle/>
+          <a:p>
+            <a:r>
+              <a:t>Aggregation, grouping, visualization for big datasets</a:t>
             </a:r>
           </a:p>
         </p:txBody>
@@ -3824,7 +3908,7 @@
 </file>
 
 <file path=ppt/slides/slide19.xml><?xml version="1.0" encoding="utf-8"?>
-<p:sld xmlns:a="http://schemas.openxmlformats.org/drawingml/2006/main" xmlns:p="http://schemas.openxmlformats.org/presentationml/2006/main" xmlns:r="http://schemas.openxmlformats.org/officeDocument/2006/relationships">
+<p:sld xmlns:a="http://schemas.openxmlformats.org/drawingml/2006/main" xmlns:r="http://schemas.openxmlformats.org/officeDocument/2006/relationships" xmlns:p="http://schemas.openxmlformats.org/presentationml/2006/main">
   <p:cSld>
     <p:spTree>
       <p:nvGrpSpPr>
@@ -3832,7 +3916,14 @@
         <p:cNvGrpSpPr/>
         <p:nvPr/>
       </p:nvGrpSpPr>
-      <p:grpSpPr/>
+      <p:grpSpPr>
+        <a:xfrm>
+          <a:off x="0" y="0"/>
+          <a:ext cx="0" cy="0"/>
+          <a:chOff x="0" y="0"/>
+          <a:chExt cx="0" cy="0"/>
+        </a:xfrm>
+      </p:grpSpPr>
       <p:sp>
         <p:nvSpPr>
           <p:cNvPr id="2" name="Title 1"/>
@@ -3849,7 +3940,7 @@
           <a:lstStyle/>
           <a:p>
             <a:r>
-              <a:t>Key Topics</a:t>
+              <a:t>Learning Objectives</a:t>
             </a:r>
           </a:p>
         </p:txBody>
@@ -3868,29 +3959,22 @@
         <p:txBody>
           <a:bodyPr/>
           <a:lstStyle/>
-          <a:p/>
-          <a:p>
-            <a:pPr/>
-            <a:r>
-              <a:t>Aggregation patterns and group-bys</a:t>
-            </a:r>
-          </a:p>
-          <a:p>
-            <a:pPr/>
-            <a:r>
-              <a:t>Downsampling &amp; sketching for EDA</a:t>
-            </a:r>
-          </a:p>
-          <a:p>
-            <a:pPr/>
-            <a:r>
-              <a:t>Effective visualisations for large data</a:t>
-            </a:r>
-          </a:p>
-          <a:p>
-            <a:pPr/>
-            <a:r>
-              <a:t>Interactive vs static plots</a:t>
+          <a:p>
+            <a:endParaRPr/>
+          </a:p>
+          <a:p>
+            <a:r>
+              <a:t>Understand the core concepts introduced in Week 5 — Exploratory Data Analysis &amp; Visualization</a:t>
+            </a:r>
+          </a:p>
+          <a:p>
+            <a:r>
+              <a:t>Be able to explain and contrast the main approaches</a:t>
+            </a:r>
+          </a:p>
+          <a:p>
+            <a:r>
+              <a:t>Apply at least one practical technique in a lab setting</a:t>
             </a:r>
           </a:p>
         </p:txBody>
@@ -3904,72 +3988,88 @@
 </file>
 
 <file path=ppt/slides/slide2.xml><?xml version="1.0" encoding="utf-8"?>
-<p:sld xmlns:a="http://schemas.openxmlformats.org/drawingml/2006/main" xmlns:p="http://schemas.openxmlformats.org/presentationml/2006/main" xmlns:r="http://schemas.openxmlformats.org/officeDocument/2006/relationships">
+<p:sld xmlns:a="http://schemas.openxmlformats.org/drawingml/2006/main" xmlns:r="http://schemas.openxmlformats.org/officeDocument/2006/relationships" xmlns:p="http://schemas.openxmlformats.org/presentationml/2006/main">
   <p:cSld>
     <p:spTree>
       <p:nvGrpSpPr>
-        <p:cNvPr id="1" name=""/>
+        <p:cNvPr id="1" name="">
+          <a:extLst>
+            <a:ext uri="{FF2B5EF4-FFF2-40B4-BE49-F238E27FC236}">
+              <a16:creationId xmlns:a16="http://schemas.microsoft.com/office/drawing/2014/main" id="{5B2289CB-BE7A-946B-C81E-5A39924437BF}"/>
+            </a:ext>
+          </a:extLst>
+        </p:cNvPr>
         <p:cNvGrpSpPr/>
         <p:nvPr/>
       </p:nvGrpSpPr>
-      <p:grpSpPr/>
-      <p:sp>
-        <p:nvSpPr>
-          <p:cNvPr id="2" name="Title 1"/>
-          <p:cNvSpPr>
-            <a:spLocks noGrp="1"/>
-          </p:cNvSpPr>
-          <p:nvPr>
-            <p:ph type="title"/>
-          </p:nvPr>
-        </p:nvSpPr>
-        <p:spPr/>
-        <p:txBody>
-          <a:bodyPr/>
-          <a:lstStyle/>
-          <a:p>
-            <a:r>
-              <a:t>Learning Objectives</a:t>
-            </a:r>
-          </a:p>
-        </p:txBody>
-      </p:sp>
-      <p:sp>
-        <p:nvSpPr>
-          <p:cNvPr id="3" name="Content Placeholder 2"/>
-          <p:cNvSpPr>
-            <a:spLocks noGrp="1"/>
-          </p:cNvSpPr>
-          <p:nvPr>
-            <p:ph idx="1"/>
-          </p:nvPr>
-        </p:nvSpPr>
-        <p:spPr/>
-        <p:txBody>
-          <a:bodyPr/>
-          <a:lstStyle/>
-          <a:p/>
-          <a:p>
-            <a:pPr/>
-            <a:r>
-              <a:t>Understand the core concepts introduced in Week 1 — Introduction &amp; Data Life-cycle</a:t>
-            </a:r>
-          </a:p>
-          <a:p>
-            <a:pPr/>
-            <a:r>
-              <a:t>Be able to explain and contrast the main approaches</a:t>
-            </a:r>
-          </a:p>
-          <a:p>
-            <a:pPr/>
-            <a:r>
-              <a:t>Apply at least one practical technique in a lab setting</a:t>
+      <p:grpSpPr>
+        <a:xfrm>
+          <a:off x="0" y="0"/>
+          <a:ext cx="0" cy="0"/>
+          <a:chOff x="0" y="0"/>
+          <a:chExt cx="0" cy="0"/>
+        </a:xfrm>
+      </p:grpSpPr>
+      <p:sp>
+        <p:nvSpPr>
+          <p:cNvPr id="2" name="Title 1">
+            <a:extLst>
+              <a:ext uri="{FF2B5EF4-FFF2-40B4-BE49-F238E27FC236}">
+                <a16:creationId xmlns:a16="http://schemas.microsoft.com/office/drawing/2014/main" id="{65B49490-792F-8A24-D071-86F88089D414}"/>
+              </a:ext>
+            </a:extLst>
+          </p:cNvPr>
+          <p:cNvSpPr>
+            <a:spLocks noGrp="1"/>
+          </p:cNvSpPr>
+          <p:nvPr>
+            <p:ph type="ctrTitle"/>
+          </p:nvPr>
+        </p:nvSpPr>
+        <p:spPr/>
+        <p:txBody>
+          <a:bodyPr/>
+          <a:lstStyle/>
+          <a:p>
+            <a:r>
+              <a:t>Lecture 1: Week 1 — Introduction &amp; Data Life-cycle</a:t>
+            </a:r>
+          </a:p>
+        </p:txBody>
+      </p:sp>
+      <p:sp>
+        <p:nvSpPr>
+          <p:cNvPr id="3" name="Subtitle 2">
+            <a:extLst>
+              <a:ext uri="{FF2B5EF4-FFF2-40B4-BE49-F238E27FC236}">
+                <a16:creationId xmlns:a16="http://schemas.microsoft.com/office/drawing/2014/main" id="{AE855F08-DF0B-71EA-3EBF-62016C7E4555}"/>
+              </a:ext>
+            </a:extLst>
+          </p:cNvPr>
+          <p:cNvSpPr>
+            <a:spLocks noGrp="1"/>
+          </p:cNvSpPr>
+          <p:nvPr>
+            <p:ph type="subTitle" idx="1"/>
+          </p:nvPr>
+        </p:nvSpPr>
+        <p:spPr/>
+        <p:txBody>
+          <a:bodyPr/>
+          <a:lstStyle/>
+          <a:p>
+            <a:r>
+              <a:t>Definitions, types of big data, data stages, course overview</a:t>
             </a:r>
           </a:p>
         </p:txBody>
       </p:sp>
     </p:spTree>
+    <p:extLst>
+      <p:ext uri="{BB962C8B-B14F-4D97-AF65-F5344CB8AC3E}">
+        <p14:creationId xmlns:p14="http://schemas.microsoft.com/office/powerpoint/2010/main" val="1590555296"/>
+      </p:ext>
+    </p:extLst>
   </p:cSld>
   <p:clrMapOvr>
     <a:masterClrMapping/>
@@ -3978,7 +4078,7 @@
 </file>
 
 <file path=ppt/slides/slide20.xml><?xml version="1.0" encoding="utf-8"?>
-<p:sld xmlns:a="http://schemas.openxmlformats.org/drawingml/2006/main" xmlns:p="http://schemas.openxmlformats.org/presentationml/2006/main" xmlns:r="http://schemas.openxmlformats.org/officeDocument/2006/relationships">
+<p:sld xmlns:a="http://schemas.openxmlformats.org/drawingml/2006/main" xmlns:r="http://schemas.openxmlformats.org/officeDocument/2006/relationships" xmlns:p="http://schemas.openxmlformats.org/presentationml/2006/main">
   <p:cSld>
     <p:spTree>
       <p:nvGrpSpPr>
@@ -3986,7 +4086,14 @@
         <p:cNvGrpSpPr/>
         <p:nvPr/>
       </p:nvGrpSpPr>
-      <p:grpSpPr/>
+      <p:grpSpPr>
+        <a:xfrm>
+          <a:off x="0" y="0"/>
+          <a:ext cx="0" cy="0"/>
+          <a:chOff x="0" y="0"/>
+          <a:chExt cx="0" cy="0"/>
+        </a:xfrm>
+      </p:grpSpPr>
       <p:sp>
         <p:nvSpPr>
           <p:cNvPr id="2" name="Title 1"/>
@@ -4003,7 +4110,7 @@
           <a:lstStyle/>
           <a:p>
             <a:r>
-              <a:t>Activity / Readings</a:t>
+              <a:t>Key Topics</a:t>
             </a:r>
           </a:p>
         </p:txBody>
@@ -4022,18 +4129,57 @@
         <p:txBody>
           <a:bodyPr/>
           <a:lstStyle/>
-          <a:p/>
-          <a:p>
-            <a:pPr/>
-            <a:r>
-              <a:t>In-class: build dashboard sketch</a:t>
-            </a:r>
-          </a:p>
-          <a:p>
-            <a:pPr/>
-            <a:r>
-              <a:t>Reading: visualization best practices</a:t>
-            </a:r>
+          <a:p>
+            <a:endParaRPr dirty="0"/>
+          </a:p>
+          <a:p>
+            <a:r>
+              <a:rPr dirty="0"/>
+              <a:t>Aggregation patterns and group-</a:t>
+            </a:r>
+            <a:r>
+              <a:rPr dirty="0" err="1"/>
+              <a:t>bys</a:t>
+            </a:r>
+            <a:endParaRPr dirty="0"/>
+          </a:p>
+          <a:p>
+            <a:r>
+              <a:rPr dirty="0" err="1"/>
+              <a:t>Downsampling</a:t>
+            </a:r>
+            <a:r>
+              <a:rPr dirty="0"/>
+              <a:t> &amp; sketching for EDA</a:t>
+            </a:r>
+          </a:p>
+          <a:p>
+            <a:r>
+              <a:rPr dirty="0"/>
+              <a:t>Effective </a:t>
+            </a:r>
+            <a:r>
+              <a:rPr dirty="0" err="1"/>
+              <a:t>visualisations</a:t>
+            </a:r>
+            <a:r>
+              <a:rPr dirty="0"/>
+              <a:t> for large data</a:t>
+            </a:r>
+          </a:p>
+          <a:p>
+            <a:r>
+              <a:rPr dirty="0"/>
+              <a:t>Interactive vs static plots</a:t>
+            </a:r>
+            <a:endParaRPr lang="en-GB" dirty="0"/>
+          </a:p>
+          <a:p>
+            <a:r>
+              <a:rPr lang="en-GB" dirty="0" err="1"/>
+              <a:t>Practicals</a:t>
+            </a:r>
+            <a:endParaRPr dirty="0"/>
           </a:p>
         </p:txBody>
       </p:sp>
@@ -4046,7 +4192,7 @@
 </file>
 
 <file path=ppt/slides/slide21.xml><?xml version="1.0" encoding="utf-8"?>
-<p:sld xmlns:a="http://schemas.openxmlformats.org/drawingml/2006/main" xmlns:p="http://schemas.openxmlformats.org/presentationml/2006/main" xmlns:r="http://schemas.openxmlformats.org/officeDocument/2006/relationships">
+<p:sld xmlns:a="http://schemas.openxmlformats.org/drawingml/2006/main" xmlns:r="http://schemas.openxmlformats.org/officeDocument/2006/relationships" xmlns:p="http://schemas.openxmlformats.org/presentationml/2006/main">
   <p:cSld>
     <p:spTree>
       <p:nvGrpSpPr>
@@ -4054,7 +4200,14 @@
         <p:cNvGrpSpPr/>
         <p:nvPr/>
       </p:nvGrpSpPr>
-      <p:grpSpPr/>
+      <p:grpSpPr>
+        <a:xfrm>
+          <a:off x="0" y="0"/>
+          <a:ext cx="0" cy="0"/>
+          <a:chOff x="0" y="0"/>
+          <a:chExt cx="0" cy="0"/>
+        </a:xfrm>
+      </p:grpSpPr>
       <p:sp>
         <p:nvSpPr>
           <p:cNvPr id="2" name="Title 1"/>
@@ -4062,37 +4215,47 @@
             <a:spLocks noGrp="1"/>
           </p:cNvSpPr>
           <p:nvPr>
-            <p:ph type="ctrTitle"/>
-          </p:nvPr>
-        </p:nvSpPr>
-        <p:spPr/>
-        <p:txBody>
-          <a:bodyPr/>
-          <a:lstStyle/>
-          <a:p>
-            <a:r>
-              <a:t>Lecture 6: Week 6 — Legal &amp; Ethical Issues in Big Data</a:t>
-            </a:r>
-          </a:p>
-        </p:txBody>
-      </p:sp>
-      <p:sp>
-        <p:nvSpPr>
-          <p:cNvPr id="3" name="Subtitle 2"/>
-          <p:cNvSpPr>
-            <a:spLocks noGrp="1"/>
-          </p:cNvSpPr>
-          <p:nvPr>
-            <p:ph type="subTitle" idx="1"/>
-          </p:nvPr>
-        </p:nvSpPr>
-        <p:spPr/>
-        <p:txBody>
-          <a:bodyPr/>
-          <a:lstStyle/>
-          <a:p>
-            <a:r>
-              <a:t>GDPR, privacy, bias, provenance, governance</a:t>
+            <p:ph type="title"/>
+          </p:nvPr>
+        </p:nvSpPr>
+        <p:spPr/>
+        <p:txBody>
+          <a:bodyPr/>
+          <a:lstStyle/>
+          <a:p>
+            <a:r>
+              <a:t>Activity / Readings</a:t>
+            </a:r>
+          </a:p>
+        </p:txBody>
+      </p:sp>
+      <p:sp>
+        <p:nvSpPr>
+          <p:cNvPr id="3" name="Content Placeholder 2"/>
+          <p:cNvSpPr>
+            <a:spLocks noGrp="1"/>
+          </p:cNvSpPr>
+          <p:nvPr>
+            <p:ph idx="1"/>
+          </p:nvPr>
+        </p:nvSpPr>
+        <p:spPr/>
+        <p:txBody>
+          <a:bodyPr/>
+          <a:lstStyle/>
+          <a:p>
+            <a:endParaRPr dirty="0"/>
+          </a:p>
+          <a:p>
+            <a:r>
+              <a:rPr dirty="0"/>
+              <a:t>In-class: build dashboard sketch</a:t>
+            </a:r>
+          </a:p>
+          <a:p>
+            <a:r>
+              <a:rPr dirty="0"/>
+              <a:t>Reading: visualization best practices</a:t>
             </a:r>
           </a:p>
         </p:txBody>
@@ -4106,72 +4269,201 @@
 </file>
 
 <file path=ppt/slides/slide22.xml><?xml version="1.0" encoding="utf-8"?>
-<p:sld xmlns:a="http://schemas.openxmlformats.org/drawingml/2006/main" xmlns:p="http://schemas.openxmlformats.org/presentationml/2006/main" xmlns:r="http://schemas.openxmlformats.org/officeDocument/2006/relationships">
+<p:sld xmlns:a="http://schemas.openxmlformats.org/drawingml/2006/main" xmlns:r="http://schemas.openxmlformats.org/officeDocument/2006/relationships" xmlns:p="http://schemas.openxmlformats.org/presentationml/2006/main">
   <p:cSld>
+    <p:bg>
+      <p:bgPr>
+        <a:solidFill>
+          <a:schemeClr val="bg1"/>
+        </a:solidFill>
+        <a:effectLst/>
+      </p:bgPr>
+    </p:bg>
     <p:spTree>
       <p:nvGrpSpPr>
-        <p:cNvPr id="1" name=""/>
+        <p:cNvPr id="1" name="">
+          <a:extLst>
+            <a:ext uri="{FF2B5EF4-FFF2-40B4-BE49-F238E27FC236}">
+              <a16:creationId xmlns:a16="http://schemas.microsoft.com/office/drawing/2014/main" id="{2EBD7877-84F3-53E4-73E2-D89C256AE1EF}"/>
+            </a:ext>
+          </a:extLst>
+        </p:cNvPr>
         <p:cNvGrpSpPr/>
         <p:nvPr/>
       </p:nvGrpSpPr>
-      <p:grpSpPr/>
-      <p:sp>
-        <p:nvSpPr>
-          <p:cNvPr id="2" name="Title 1"/>
-          <p:cNvSpPr>
-            <a:spLocks noGrp="1"/>
-          </p:cNvSpPr>
-          <p:nvPr>
-            <p:ph type="title"/>
-          </p:nvPr>
-        </p:nvSpPr>
-        <p:spPr/>
-        <p:txBody>
-          <a:bodyPr/>
-          <a:lstStyle/>
-          <a:p>
-            <a:r>
-              <a:t>Learning Objectives</a:t>
-            </a:r>
-          </a:p>
-        </p:txBody>
-      </p:sp>
-      <p:sp>
-        <p:nvSpPr>
-          <p:cNvPr id="3" name="Content Placeholder 2"/>
-          <p:cNvSpPr>
-            <a:spLocks noGrp="1"/>
-          </p:cNvSpPr>
-          <p:nvPr>
-            <p:ph idx="1"/>
-          </p:nvPr>
-        </p:nvSpPr>
-        <p:spPr/>
-        <p:txBody>
-          <a:bodyPr/>
-          <a:lstStyle/>
-          <a:p/>
-          <a:p>
-            <a:pPr/>
-            <a:r>
-              <a:t>Understand the core concepts introduced in Week 6 — Legal &amp; Ethical Issues in Big Data</a:t>
-            </a:r>
-          </a:p>
-          <a:p>
-            <a:pPr/>
-            <a:r>
-              <a:t>Be able to explain and contrast the main approaches</a:t>
-            </a:r>
-          </a:p>
-          <a:p>
-            <a:pPr/>
-            <a:r>
-              <a:t>Apply at least one practical technique in a lab setting</a:t>
-            </a:r>
-          </a:p>
-        </p:txBody>
-      </p:sp>
+      <p:grpSpPr>
+        <a:xfrm>
+          <a:off x="0" y="0"/>
+          <a:ext cx="0" cy="0"/>
+          <a:chOff x="0" y="0"/>
+          <a:chExt cx="0" cy="0"/>
+        </a:xfrm>
+      </p:grpSpPr>
+      <p:sp>
+        <p:nvSpPr>
+          <p:cNvPr id="13" name="Rectangle 12">
+            <a:extLst>
+              <a:ext uri="{FF2B5EF4-FFF2-40B4-BE49-F238E27FC236}">
+                <a16:creationId xmlns:a16="http://schemas.microsoft.com/office/drawing/2014/main" id="{32BC26D8-82FB-445E-AA49-62A77D7C1EE0}"/>
+              </a:ext>
+              <a:ext uri="{C183D7F6-B498-43B3-948B-1728B52AA6E4}">
+                <adec:decorative xmlns:adec="http://schemas.microsoft.com/office/drawing/2017/decorative" val="1"/>
+              </a:ext>
+            </a:extLst>
+          </p:cNvPr>
+          <p:cNvSpPr>
+            <a:spLocks noGrp="1" noRot="1" noChangeAspect="1" noMove="1" noResize="1" noEditPoints="1" noAdjustHandles="1" noChangeArrowheads="1" noChangeShapeType="1" noTextEdit="1"/>
+          </p:cNvSpPr>
+          <p:nvPr>
+            <p:extLst>
+              <p:ext uri="{386F3935-93C4-4BCD-93E2-E3B085C9AB24}">
+                <p16:designElem xmlns:p16="http://schemas.microsoft.com/office/powerpoint/2015/main" val="1"/>
+              </p:ext>
+            </p:extLst>
+          </p:nvPr>
+        </p:nvSpPr>
+        <p:spPr>
+          <a:xfrm>
+            <a:off x="0" y="0"/>
+            <a:ext cx="9144000" cy="6858000"/>
+          </a:xfrm>
+          <a:prstGeom prst="rect">
+            <a:avLst/>
+          </a:prstGeom>
+          <a:solidFill>
+            <a:schemeClr val="tx1">
+              <a:lumMod val="65000"/>
+              <a:lumOff val="35000"/>
+            </a:schemeClr>
+          </a:solidFill>
+          <a:ln>
+            <a:noFill/>
+          </a:ln>
+        </p:spPr>
+        <p:style>
+          <a:lnRef idx="2">
+            <a:schemeClr val="accent1">
+              <a:shade val="50000"/>
+            </a:schemeClr>
+          </a:lnRef>
+          <a:fillRef idx="1">
+            <a:schemeClr val="accent1"/>
+          </a:fillRef>
+          <a:effectRef idx="0">
+            <a:schemeClr val="accent1"/>
+          </a:effectRef>
+          <a:fontRef idx="minor">
+            <a:schemeClr val="lt1"/>
+          </a:fontRef>
+        </p:style>
+        <p:txBody>
+          <a:bodyPr rtlCol="0" anchor="ctr"/>
+          <a:lstStyle/>
+          <a:p>
+            <a:pPr algn="ctr"/>
+            <a:endParaRPr lang="en-US"/>
+          </a:p>
+        </p:txBody>
+      </p:sp>
+      <p:sp>
+        <p:nvSpPr>
+          <p:cNvPr id="15" name="Rectangle 14">
+            <a:extLst>
+              <a:ext uri="{FF2B5EF4-FFF2-40B4-BE49-F238E27FC236}">
+                <a16:creationId xmlns:a16="http://schemas.microsoft.com/office/drawing/2014/main" id="{CB44330D-EA18-4254-AA95-EB49948539B8}"/>
+              </a:ext>
+              <a:ext uri="{C183D7F6-B498-43B3-948B-1728B52AA6E4}">
+                <adec:decorative xmlns:adec="http://schemas.microsoft.com/office/drawing/2017/decorative" val="1"/>
+              </a:ext>
+            </a:extLst>
+          </p:cNvPr>
+          <p:cNvSpPr>
+            <a:spLocks noGrp="1" noRot="1" noChangeAspect="1" noMove="1" noResize="1" noEditPoints="1" noAdjustHandles="1" noChangeArrowheads="1" noChangeShapeType="1" noTextEdit="1"/>
+          </p:cNvSpPr>
+          <p:nvPr>
+            <p:extLst>
+              <p:ext uri="{386F3935-93C4-4BCD-93E2-E3B085C9AB24}">
+                <p16:designElem xmlns:p16="http://schemas.microsoft.com/office/powerpoint/2015/main" val="1"/>
+              </p:ext>
+            </p:extLst>
+          </p:nvPr>
+        </p:nvSpPr>
+        <p:spPr>
+          <a:xfrm>
+            <a:off x="357759" y="480060"/>
+            <a:ext cx="8428482" cy="5897880"/>
+          </a:xfrm>
+          <a:prstGeom prst="rect">
+            <a:avLst/>
+          </a:prstGeom>
+          <a:solidFill>
+            <a:srgbClr val="FFFFFF"/>
+          </a:solidFill>
+          <a:ln>
+            <a:noFill/>
+          </a:ln>
+        </p:spPr>
+        <p:style>
+          <a:lnRef idx="2">
+            <a:schemeClr val="accent1">
+              <a:shade val="50000"/>
+            </a:schemeClr>
+          </a:lnRef>
+          <a:fillRef idx="1">
+            <a:schemeClr val="accent1"/>
+          </a:fillRef>
+          <a:effectRef idx="0">
+            <a:schemeClr val="accent1"/>
+          </a:effectRef>
+          <a:fontRef idx="minor">
+            <a:schemeClr val="lt1"/>
+          </a:fontRef>
+        </p:style>
+        <p:txBody>
+          <a:bodyPr rtlCol="0" anchor="ctr"/>
+          <a:lstStyle/>
+          <a:p>
+            <a:pPr algn="ctr"/>
+            <a:endParaRPr lang="en-US"/>
+          </a:p>
+        </p:txBody>
+      </p:sp>
+      <p:pic>
+        <p:nvPicPr>
+          <p:cNvPr id="8" name="Picture 7" descr="A chart with a graph and text&#10;&#10;Description automatically generated with medium confidence">
+            <a:extLst>
+              <a:ext uri="{FF2B5EF4-FFF2-40B4-BE49-F238E27FC236}">
+                <a16:creationId xmlns:a16="http://schemas.microsoft.com/office/drawing/2014/main" id="{66F96AF6-E567-B963-CEA8-483065E05E81}"/>
+              </a:ext>
+            </a:extLst>
+          </p:cNvPr>
+          <p:cNvPicPr>
+            <a:picLocks noChangeAspect="1"/>
+          </p:cNvPicPr>
+          <p:nvPr/>
+        </p:nvPicPr>
+        <p:blipFill>
+          <a:blip r:embed="rId2"/>
+          <a:stretch>
+            <a:fillRect/>
+          </a:stretch>
+        </p:blipFill>
+        <p:spPr>
+          <a:xfrm>
+            <a:off x="482600" y="1449731"/>
+            <a:ext cx="8178799" cy="3958538"/>
+          </a:xfrm>
+          <a:prstGeom prst="rect">
+            <a:avLst/>
+          </a:prstGeom>
+        </p:spPr>
+      </p:pic>
     </p:spTree>
+    <p:extLst>
+      <p:ext uri="{BB962C8B-B14F-4D97-AF65-F5344CB8AC3E}">
+        <p14:creationId xmlns:p14="http://schemas.microsoft.com/office/powerpoint/2010/main" val="3150639341"/>
+      </p:ext>
+    </p:extLst>
   </p:cSld>
   <p:clrMapOvr>
     <a:masterClrMapping/>
@@ -4180,7 +4472,7 @@
 </file>
 
 <file path=ppt/slides/slide23.xml><?xml version="1.0" encoding="utf-8"?>
-<p:sld xmlns:a="http://schemas.openxmlformats.org/drawingml/2006/main" xmlns:p="http://schemas.openxmlformats.org/presentationml/2006/main" xmlns:r="http://schemas.openxmlformats.org/officeDocument/2006/relationships">
+<p:sld xmlns:a="http://schemas.openxmlformats.org/drawingml/2006/main" xmlns:r="http://schemas.openxmlformats.org/officeDocument/2006/relationships" xmlns:p="http://schemas.openxmlformats.org/presentationml/2006/main">
   <p:cSld>
     <p:spTree>
       <p:nvGrpSpPr>
@@ -4188,7 +4480,14 @@
         <p:cNvGrpSpPr/>
         <p:nvPr/>
       </p:nvGrpSpPr>
-      <p:grpSpPr/>
+      <p:grpSpPr>
+        <a:xfrm>
+          <a:off x="0" y="0"/>
+          <a:ext cx="0" cy="0"/>
+          <a:chOff x="0" y="0"/>
+          <a:chExt cx="0" cy="0"/>
+        </a:xfrm>
+      </p:grpSpPr>
       <p:sp>
         <p:nvSpPr>
           <p:cNvPr id="2" name="Title 1"/>
@@ -4196,57 +4495,46 @@
             <a:spLocks noGrp="1"/>
           </p:cNvSpPr>
           <p:nvPr>
-            <p:ph type="title"/>
-          </p:nvPr>
-        </p:nvSpPr>
-        <p:spPr/>
-        <p:txBody>
-          <a:bodyPr/>
-          <a:lstStyle/>
-          <a:p>
-            <a:r>
-              <a:t>Key Topics</a:t>
-            </a:r>
-          </a:p>
-        </p:txBody>
-      </p:sp>
-      <p:sp>
-        <p:nvSpPr>
-          <p:cNvPr id="3" name="Content Placeholder 2"/>
-          <p:cNvSpPr>
-            <a:spLocks noGrp="1"/>
-          </p:cNvSpPr>
-          <p:nvPr>
-            <p:ph idx="1"/>
-          </p:nvPr>
-        </p:nvSpPr>
-        <p:spPr/>
-        <p:txBody>
-          <a:bodyPr/>
-          <a:lstStyle/>
-          <a:p/>
-          <a:p>
-            <a:pPr/>
-            <a:r>
-              <a:t>Legal basics: GDPR principles</a:t>
-            </a:r>
-          </a:p>
-          <a:p>
-            <a:pPr/>
-            <a:r>
-              <a:t>Privacy-by-design and data minimisation</a:t>
-            </a:r>
-          </a:p>
-          <a:p>
-            <a:pPr/>
-            <a:r>
-              <a:t>Bias, fairness, and provenance</a:t>
-            </a:r>
-          </a:p>
-          <a:p>
-            <a:pPr/>
-            <a:r>
-              <a:t>Security and access controls</a:t>
+            <p:ph type="ctrTitle"/>
+          </p:nvPr>
+        </p:nvSpPr>
+        <p:spPr/>
+        <p:txBody>
+          <a:bodyPr/>
+          <a:lstStyle/>
+          <a:p>
+            <a:r>
+              <a:rPr dirty="0"/>
+              <a:t>Lecture 6: Week 6 </a:t>
+            </a:r>
+            <a:r>
+              <a:rPr lang="en-GB" dirty="0"/>
+              <a:t>:</a:t>
+            </a:r>
+            <a:r>
+              <a:rPr dirty="0"/>
+              <a:t> Legal &amp; Ethical Issues in Big Data</a:t>
+            </a:r>
+          </a:p>
+        </p:txBody>
+      </p:sp>
+      <p:sp>
+        <p:nvSpPr>
+          <p:cNvPr id="3" name="Subtitle 2"/>
+          <p:cNvSpPr>
+            <a:spLocks noGrp="1"/>
+          </p:cNvSpPr>
+          <p:nvPr>
+            <p:ph type="subTitle" idx="1"/>
+          </p:nvPr>
+        </p:nvSpPr>
+        <p:spPr/>
+        <p:txBody>
+          <a:bodyPr/>
+          <a:lstStyle/>
+          <a:p>
+            <a:r>
+              <a:t>GDPR, privacy, bias, provenance, governance</a:t>
             </a:r>
           </a:p>
         </p:txBody>
@@ -4260,7 +4548,7 @@
 </file>
 
 <file path=ppt/slides/slide24.xml><?xml version="1.0" encoding="utf-8"?>
-<p:sld xmlns:a="http://schemas.openxmlformats.org/drawingml/2006/main" xmlns:p="http://schemas.openxmlformats.org/presentationml/2006/main" xmlns:r="http://schemas.openxmlformats.org/officeDocument/2006/relationships">
+<p:sld xmlns:a="http://schemas.openxmlformats.org/drawingml/2006/main" xmlns:r="http://schemas.openxmlformats.org/officeDocument/2006/relationships" xmlns:p="http://schemas.openxmlformats.org/presentationml/2006/main">
   <p:cSld>
     <p:spTree>
       <p:nvGrpSpPr>
@@ -4268,7 +4556,14 @@
         <p:cNvGrpSpPr/>
         <p:nvPr/>
       </p:nvGrpSpPr>
-      <p:grpSpPr/>
+      <p:grpSpPr>
+        <a:xfrm>
+          <a:off x="0" y="0"/>
+          <a:ext cx="0" cy="0"/>
+          <a:chOff x="0" y="0"/>
+          <a:chExt cx="0" cy="0"/>
+        </a:xfrm>
+      </p:grpSpPr>
       <p:sp>
         <p:nvSpPr>
           <p:cNvPr id="2" name="Title 1"/>
@@ -4285,7 +4580,7 @@
           <a:lstStyle/>
           <a:p>
             <a:r>
-              <a:t>Activity / Readings</a:t>
+              <a:t>Learning Objectives</a:t>
             </a:r>
           </a:p>
         </p:txBody>
@@ -4304,17 +4599,33 @@
         <p:txBody>
           <a:bodyPr/>
           <a:lstStyle/>
-          <a:p/>
-          <a:p>
-            <a:pPr/>
-            <a:r>
-              <a:t>Case study: re-identification risk analysis</a:t>
-            </a:r>
-          </a:p>
-          <a:p>
-            <a:pPr/>
-            <a:r>
-              <a:t>Submit short mitigation plan</a:t>
+          <a:p>
+            <a:endParaRPr dirty="0"/>
+          </a:p>
+          <a:p>
+            <a:r>
+              <a:rPr dirty="0"/>
+              <a:t>Understand the core concepts introduced in Week 6 </a:t>
+            </a:r>
+            <a:r>
+              <a:rPr lang="en-GB" dirty="0"/>
+              <a:t>:</a:t>
+            </a:r>
+            <a:r>
+              <a:rPr dirty="0"/>
+              <a:t> Legal &amp; Ethical Issues in Big Data</a:t>
+            </a:r>
+          </a:p>
+          <a:p>
+            <a:r>
+              <a:rPr dirty="0"/>
+              <a:t>Be able to explain and contrast the main approaches</a:t>
+            </a:r>
+          </a:p>
+          <a:p>
+            <a:r>
+              <a:rPr dirty="0"/>
+              <a:t>Apply at least one practical technique in a lab setting</a:t>
             </a:r>
           </a:p>
         </p:txBody>
@@ -4328,7 +4639,7 @@
 </file>
 
 <file path=ppt/slides/slide25.xml><?xml version="1.0" encoding="utf-8"?>
-<p:sld xmlns:a="http://schemas.openxmlformats.org/drawingml/2006/main" xmlns:p="http://schemas.openxmlformats.org/presentationml/2006/main" xmlns:r="http://schemas.openxmlformats.org/officeDocument/2006/relationships">
+<p:sld xmlns:a="http://schemas.openxmlformats.org/drawingml/2006/main" xmlns:r="http://schemas.openxmlformats.org/officeDocument/2006/relationships" xmlns:p="http://schemas.openxmlformats.org/presentationml/2006/main">
   <p:cSld>
     <p:spTree>
       <p:nvGrpSpPr>
@@ -4336,7 +4647,14 @@
         <p:cNvGrpSpPr/>
         <p:nvPr/>
       </p:nvGrpSpPr>
-      <p:grpSpPr/>
+      <p:grpSpPr>
+        <a:xfrm>
+          <a:off x="0" y="0"/>
+          <a:ext cx="0" cy="0"/>
+          <a:chOff x="0" y="0"/>
+          <a:chExt cx="0" cy="0"/>
+        </a:xfrm>
+      </p:grpSpPr>
       <p:sp>
         <p:nvSpPr>
           <p:cNvPr id="2" name="Title 1"/>
@@ -4344,37 +4662,55 @@
             <a:spLocks noGrp="1"/>
           </p:cNvSpPr>
           <p:nvPr>
-            <p:ph type="ctrTitle"/>
-          </p:nvPr>
-        </p:nvSpPr>
-        <p:spPr/>
-        <p:txBody>
-          <a:bodyPr/>
-          <a:lstStyle/>
-          <a:p>
-            <a:r>
-              <a:t>Lecture 7: Week 7 — MapReduce Fundamentals &amp; Hadoop</a:t>
-            </a:r>
-          </a:p>
-        </p:txBody>
-      </p:sp>
-      <p:sp>
-        <p:nvSpPr>
-          <p:cNvPr id="3" name="Subtitle 2"/>
-          <p:cNvSpPr>
-            <a:spLocks noGrp="1"/>
-          </p:cNvSpPr>
-          <p:nvPr>
-            <p:ph type="subTitle" idx="1"/>
-          </p:nvPr>
-        </p:nvSpPr>
-        <p:spPr/>
-        <p:txBody>
-          <a:bodyPr/>
-          <a:lstStyle/>
-          <a:p>
-            <a:r>
-              <a:t>Map/reduce flow, combiner, partitioner, practical examples</a:t>
+            <p:ph type="title"/>
+          </p:nvPr>
+        </p:nvSpPr>
+        <p:spPr/>
+        <p:txBody>
+          <a:bodyPr/>
+          <a:lstStyle/>
+          <a:p>
+            <a:r>
+              <a:t>Key Topics</a:t>
+            </a:r>
+          </a:p>
+        </p:txBody>
+      </p:sp>
+      <p:sp>
+        <p:nvSpPr>
+          <p:cNvPr id="3" name="Content Placeholder 2"/>
+          <p:cNvSpPr>
+            <a:spLocks noGrp="1"/>
+          </p:cNvSpPr>
+          <p:nvPr>
+            <p:ph idx="1"/>
+          </p:nvPr>
+        </p:nvSpPr>
+        <p:spPr/>
+        <p:txBody>
+          <a:bodyPr/>
+          <a:lstStyle/>
+          <a:p>
+            <a:endParaRPr/>
+          </a:p>
+          <a:p>
+            <a:r>
+              <a:t>Legal basics: GDPR principles</a:t>
+            </a:r>
+          </a:p>
+          <a:p>
+            <a:r>
+              <a:t>Privacy-by-design and data minimisation</a:t>
+            </a:r>
+          </a:p>
+          <a:p>
+            <a:r>
+              <a:t>Bias, fairness, and provenance</a:t>
+            </a:r>
+          </a:p>
+          <a:p>
+            <a:r>
+              <a:t>Security and access controls</a:t>
             </a:r>
           </a:p>
         </p:txBody>
@@ -4388,7 +4724,7 @@
 </file>
 
 <file path=ppt/slides/slide26.xml><?xml version="1.0" encoding="utf-8"?>
-<p:sld xmlns:a="http://schemas.openxmlformats.org/drawingml/2006/main" xmlns:p="http://schemas.openxmlformats.org/presentationml/2006/main" xmlns:r="http://schemas.openxmlformats.org/officeDocument/2006/relationships">
+<p:sld xmlns:a="http://schemas.openxmlformats.org/drawingml/2006/main" xmlns:r="http://schemas.openxmlformats.org/officeDocument/2006/relationships" xmlns:p="http://schemas.openxmlformats.org/presentationml/2006/main">
   <p:cSld>
     <p:spTree>
       <p:nvGrpSpPr>
@@ -4396,7 +4732,14 @@
         <p:cNvGrpSpPr/>
         <p:nvPr/>
       </p:nvGrpSpPr>
-      <p:grpSpPr/>
+      <p:grpSpPr>
+        <a:xfrm>
+          <a:off x="0" y="0"/>
+          <a:ext cx="0" cy="0"/>
+          <a:chOff x="0" y="0"/>
+          <a:chExt cx="0" cy="0"/>
+        </a:xfrm>
+      </p:grpSpPr>
       <p:sp>
         <p:nvSpPr>
           <p:cNvPr id="2" name="Title 1"/>
@@ -4413,7 +4756,7 @@
           <a:lstStyle/>
           <a:p>
             <a:r>
-              <a:t>Learning Objectives</a:t>
+              <a:t>Activity / Readings</a:t>
             </a:r>
           </a:p>
         </p:txBody>
@@ -4432,23 +4775,17 @@
         <p:txBody>
           <a:bodyPr/>
           <a:lstStyle/>
-          <a:p/>
-          <a:p>
-            <a:pPr/>
-            <a:r>
-              <a:t>Understand the core concepts introduced in Week 7 — MapReduce Fundamentals &amp; Hadoop</a:t>
-            </a:r>
-          </a:p>
-          <a:p>
-            <a:pPr/>
-            <a:r>
-              <a:t>Be able to explain and contrast the main approaches</a:t>
-            </a:r>
-          </a:p>
-          <a:p>
-            <a:pPr/>
-            <a:r>
-              <a:t>Apply at least one practical technique in a lab setting</a:t>
+          <a:p>
+            <a:endParaRPr/>
+          </a:p>
+          <a:p>
+            <a:r>
+              <a:t>Case study: re-identification risk analysis</a:t>
+            </a:r>
+          </a:p>
+          <a:p>
+            <a:r>
+              <a:t>Submit short mitigation plan</a:t>
             </a:r>
           </a:p>
         </p:txBody>
@@ -4462,7 +4799,7 @@
 </file>
 
 <file path=ppt/slides/slide27.xml><?xml version="1.0" encoding="utf-8"?>
-<p:sld xmlns:a="http://schemas.openxmlformats.org/drawingml/2006/main" xmlns:p="http://schemas.openxmlformats.org/presentationml/2006/main" xmlns:r="http://schemas.openxmlformats.org/officeDocument/2006/relationships">
+<p:sld xmlns:a="http://schemas.openxmlformats.org/drawingml/2006/main" xmlns:r="http://schemas.openxmlformats.org/officeDocument/2006/relationships" xmlns:p="http://schemas.openxmlformats.org/presentationml/2006/main">
   <p:cSld>
     <p:spTree>
       <p:nvGrpSpPr>
@@ -4470,7 +4807,14 @@
         <p:cNvGrpSpPr/>
         <p:nvPr/>
       </p:nvGrpSpPr>
-      <p:grpSpPr/>
+      <p:grpSpPr>
+        <a:xfrm>
+          <a:off x="0" y="0"/>
+          <a:ext cx="0" cy="0"/>
+          <a:chOff x="0" y="0"/>
+          <a:chExt cx="0" cy="0"/>
+        </a:xfrm>
+      </p:grpSpPr>
       <p:sp>
         <p:nvSpPr>
           <p:cNvPr id="2" name="Title 1"/>
@@ -4478,57 +4822,37 @@
             <a:spLocks noGrp="1"/>
           </p:cNvSpPr>
           <p:nvPr>
-            <p:ph type="title"/>
-          </p:nvPr>
-        </p:nvSpPr>
-        <p:spPr/>
-        <p:txBody>
-          <a:bodyPr/>
-          <a:lstStyle/>
-          <a:p>
-            <a:r>
-              <a:t>Key Topics</a:t>
-            </a:r>
-          </a:p>
-        </p:txBody>
-      </p:sp>
-      <p:sp>
-        <p:nvSpPr>
-          <p:cNvPr id="3" name="Content Placeholder 2"/>
-          <p:cNvSpPr>
-            <a:spLocks noGrp="1"/>
-          </p:cNvSpPr>
-          <p:nvPr>
-            <p:ph idx="1"/>
-          </p:nvPr>
-        </p:nvSpPr>
-        <p:spPr/>
-        <p:txBody>
-          <a:bodyPr/>
-          <a:lstStyle/>
-          <a:p/>
-          <a:p>
-            <a:pPr/>
-            <a:r>
-              <a:t>Map and Reduce primitives</a:t>
-            </a:r>
-          </a:p>
-          <a:p>
-            <a:pPr/>
-            <a:r>
-              <a:t>Role of the combiner &amp; partitioner</a:t>
-            </a:r>
-          </a:p>
-          <a:p>
-            <a:pPr/>
-            <a:r>
-              <a:t>Hadoop architecture overview</a:t>
-            </a:r>
-          </a:p>
-          <a:p>
-            <a:pPr/>
-            <a:r>
-              <a:t>When MapReduce is a good choice</a:t>
+            <p:ph type="ctrTitle"/>
+          </p:nvPr>
+        </p:nvSpPr>
+        <p:spPr/>
+        <p:txBody>
+          <a:bodyPr/>
+          <a:lstStyle/>
+          <a:p>
+            <a:r>
+              <a:t>Lecture 7: Week 7 — MapReduce Fundamentals &amp; Hadoop</a:t>
+            </a:r>
+          </a:p>
+        </p:txBody>
+      </p:sp>
+      <p:sp>
+        <p:nvSpPr>
+          <p:cNvPr id="3" name="Subtitle 2"/>
+          <p:cNvSpPr>
+            <a:spLocks noGrp="1"/>
+          </p:cNvSpPr>
+          <p:nvPr>
+            <p:ph type="subTitle" idx="1"/>
+          </p:nvPr>
+        </p:nvSpPr>
+        <p:spPr/>
+        <p:txBody>
+          <a:bodyPr/>
+          <a:lstStyle/>
+          <a:p>
+            <a:r>
+              <a:t>Map/reduce flow, combiner, partitioner, practical examples</a:t>
             </a:r>
           </a:p>
         </p:txBody>
@@ -4542,7 +4866,7 @@
 </file>
 
 <file path=ppt/slides/slide28.xml><?xml version="1.0" encoding="utf-8"?>
-<p:sld xmlns:a="http://schemas.openxmlformats.org/drawingml/2006/main" xmlns:p="http://schemas.openxmlformats.org/presentationml/2006/main" xmlns:r="http://schemas.openxmlformats.org/officeDocument/2006/relationships">
+<p:sld xmlns:a="http://schemas.openxmlformats.org/drawingml/2006/main" xmlns:r="http://schemas.openxmlformats.org/officeDocument/2006/relationships" xmlns:p="http://schemas.openxmlformats.org/presentationml/2006/main">
   <p:cSld>
     <p:spTree>
       <p:nvGrpSpPr>
@@ -4550,7 +4874,14 @@
         <p:cNvGrpSpPr/>
         <p:nvPr/>
       </p:nvGrpSpPr>
-      <p:grpSpPr/>
+      <p:grpSpPr>
+        <a:xfrm>
+          <a:off x="0" y="0"/>
+          <a:ext cx="0" cy="0"/>
+          <a:chOff x="0" y="0"/>
+          <a:chExt cx="0" cy="0"/>
+        </a:xfrm>
+      </p:grpSpPr>
       <p:sp>
         <p:nvSpPr>
           <p:cNvPr id="2" name="Title 1"/>
@@ -4567,7 +4898,7 @@
           <a:lstStyle/>
           <a:p>
             <a:r>
-              <a:t>Activity / Readings</a:t>
+              <a:t>Learning Objectives</a:t>
             </a:r>
           </a:p>
         </p:txBody>
@@ -4586,17 +4917,33 @@
         <p:txBody>
           <a:bodyPr/>
           <a:lstStyle/>
-          <a:p/>
-          <a:p>
-            <a:pPr/>
-            <a:r>
-              <a:t>Hands-on: MapReduce pseudocode exercise</a:t>
-            </a:r>
-          </a:p>
-          <a:p>
-            <a:pPr/>
-            <a:r>
-              <a:t>Reading: Hadoop design paper (extract)</a:t>
+          <a:p>
+            <a:endParaRPr dirty="0"/>
+          </a:p>
+          <a:p>
+            <a:r>
+              <a:rPr dirty="0"/>
+              <a:t>Understand the core concepts introduced in Week 7 </a:t>
+            </a:r>
+            <a:r>
+              <a:rPr lang="en-GB" dirty="0"/>
+              <a:t>:</a:t>
+            </a:r>
+            <a:r>
+              <a:rPr dirty="0"/>
+              <a:t> MapReduce Fundamentals &amp; Hadoop</a:t>
+            </a:r>
+          </a:p>
+          <a:p>
+            <a:r>
+              <a:rPr dirty="0"/>
+              <a:t>Be able to explain and contrast the main approaches</a:t>
+            </a:r>
+          </a:p>
+          <a:p>
+            <a:r>
+              <a:rPr dirty="0"/>
+              <a:t>Apply at least one practical technique in a lab setting</a:t>
             </a:r>
           </a:p>
         </p:txBody>
@@ -4610,7 +4957,7 @@
 </file>
 
 <file path=ppt/slides/slide29.xml><?xml version="1.0" encoding="utf-8"?>
-<p:sld xmlns:a="http://schemas.openxmlformats.org/drawingml/2006/main" xmlns:p="http://schemas.openxmlformats.org/presentationml/2006/main" xmlns:r="http://schemas.openxmlformats.org/officeDocument/2006/relationships">
+<p:sld xmlns:a="http://schemas.openxmlformats.org/drawingml/2006/main" xmlns:r="http://schemas.openxmlformats.org/officeDocument/2006/relationships" xmlns:p="http://schemas.openxmlformats.org/presentationml/2006/main">
   <p:cSld>
     <p:spTree>
       <p:nvGrpSpPr>
@@ -4618,7 +4965,14 @@
         <p:cNvGrpSpPr/>
         <p:nvPr/>
       </p:nvGrpSpPr>
-      <p:grpSpPr/>
+      <p:grpSpPr>
+        <a:xfrm>
+          <a:off x="0" y="0"/>
+          <a:ext cx="0" cy="0"/>
+          <a:chOff x="0" y="0"/>
+          <a:chExt cx="0" cy="0"/>
+        </a:xfrm>
+      </p:grpSpPr>
       <p:sp>
         <p:nvSpPr>
           <p:cNvPr id="2" name="Title 1"/>
@@ -4626,37 +4980,55 @@
             <a:spLocks noGrp="1"/>
           </p:cNvSpPr>
           <p:nvPr>
-            <p:ph type="ctrTitle"/>
-          </p:nvPr>
-        </p:nvSpPr>
-        <p:spPr/>
-        <p:txBody>
-          <a:bodyPr/>
-          <a:lstStyle/>
-          <a:p>
-            <a:r>
-              <a:t>Lecture 8: Week 8 — Spark &amp; Distributed Computation</a:t>
-            </a:r>
-          </a:p>
-        </p:txBody>
-      </p:sp>
-      <p:sp>
-        <p:nvSpPr>
-          <p:cNvPr id="3" name="Subtitle 2"/>
-          <p:cNvSpPr>
-            <a:spLocks noGrp="1"/>
-          </p:cNvSpPr>
-          <p:nvPr>
-            <p:ph type="subTitle" idx="1"/>
-          </p:nvPr>
-        </p:nvSpPr>
-        <p:spPr/>
-        <p:txBody>
-          <a:bodyPr/>
-          <a:lstStyle/>
-          <a:p>
-            <a:r>
-              <a:t>RDDs, DataFrames, transformations/actions, tuning</a:t>
+            <p:ph type="title"/>
+          </p:nvPr>
+        </p:nvSpPr>
+        <p:spPr/>
+        <p:txBody>
+          <a:bodyPr/>
+          <a:lstStyle/>
+          <a:p>
+            <a:r>
+              <a:t>Key Topics</a:t>
+            </a:r>
+          </a:p>
+        </p:txBody>
+      </p:sp>
+      <p:sp>
+        <p:nvSpPr>
+          <p:cNvPr id="3" name="Content Placeholder 2"/>
+          <p:cNvSpPr>
+            <a:spLocks noGrp="1"/>
+          </p:cNvSpPr>
+          <p:nvPr>
+            <p:ph idx="1"/>
+          </p:nvPr>
+        </p:nvSpPr>
+        <p:spPr/>
+        <p:txBody>
+          <a:bodyPr/>
+          <a:lstStyle/>
+          <a:p>
+            <a:endParaRPr/>
+          </a:p>
+          <a:p>
+            <a:r>
+              <a:t>Map and Reduce primitives</a:t>
+            </a:r>
+          </a:p>
+          <a:p>
+            <a:r>
+              <a:t>Role of the combiner &amp; partitioner</a:t>
+            </a:r>
+          </a:p>
+          <a:p>
+            <a:r>
+              <a:t>Hadoop architecture overview</a:t>
+            </a:r>
+          </a:p>
+          <a:p>
+            <a:r>
+              <a:t>When MapReduce is a good choice</a:t>
             </a:r>
           </a:p>
         </p:txBody>
@@ -4670,7 +5042,7 @@
 </file>
 
 <file path=ppt/slides/slide3.xml><?xml version="1.0" encoding="utf-8"?>
-<p:sld xmlns:a="http://schemas.openxmlformats.org/drawingml/2006/main" xmlns:p="http://schemas.openxmlformats.org/presentationml/2006/main" xmlns:r="http://schemas.openxmlformats.org/officeDocument/2006/relationships">
+<p:sld xmlns:a="http://schemas.openxmlformats.org/drawingml/2006/main" xmlns:r="http://schemas.openxmlformats.org/officeDocument/2006/relationships" xmlns:p="http://schemas.openxmlformats.org/presentationml/2006/main">
   <p:cSld>
     <p:spTree>
       <p:nvGrpSpPr>
@@ -4678,7 +5050,14 @@
         <p:cNvGrpSpPr/>
         <p:nvPr/>
       </p:nvGrpSpPr>
-      <p:grpSpPr/>
+      <p:grpSpPr>
+        <a:xfrm>
+          <a:off x="0" y="0"/>
+          <a:ext cx="0" cy="0"/>
+          <a:chOff x="0" y="0"/>
+          <a:chExt cx="0" cy="0"/>
+        </a:xfrm>
+      </p:grpSpPr>
       <p:sp>
         <p:nvSpPr>
           <p:cNvPr id="2" name="Title 1"/>
@@ -4695,7 +5074,7 @@
           <a:lstStyle/>
           <a:p>
             <a:r>
-              <a:t>Key Topics</a:t>
+              <a:t>Learning Objectives</a:t>
             </a:r>
           </a:p>
         </p:txBody>
@@ -4714,29 +5093,22 @@
         <p:txBody>
           <a:bodyPr/>
           <a:lstStyle/>
-          <a:p/>
-          <a:p>
-            <a:pPr/>
-            <a:r>
-              <a:t>Definitions: Big Data vs 'large data'</a:t>
-            </a:r>
-          </a:p>
-          <a:p>
-            <a:pPr/>
-            <a:r>
-              <a:t>The data life-cycle (ingest→store→process→serve)</a:t>
-            </a:r>
-          </a:p>
-          <a:p>
-            <a:pPr/>
-            <a:r>
-              <a:t>Types: structured, unstructured, semi-structured</a:t>
-            </a:r>
-          </a:p>
-          <a:p>
-            <a:pPr/>
-            <a:r>
-              <a:t>Course structure &amp; assessments</a:t>
+          <a:p>
+            <a:endParaRPr/>
+          </a:p>
+          <a:p>
+            <a:r>
+              <a:t>Understand the core concepts introduced in Week 1 — Introduction &amp; Data Life-cycle</a:t>
+            </a:r>
+          </a:p>
+          <a:p>
+            <a:r>
+              <a:t>Be able to explain and contrast the main approaches</a:t>
+            </a:r>
+          </a:p>
+          <a:p>
+            <a:r>
+              <a:t>Apply at least one practical technique in a lab setting</a:t>
             </a:r>
           </a:p>
         </p:txBody>
@@ -4750,7 +5122,7 @@
 </file>
 
 <file path=ppt/slides/slide30.xml><?xml version="1.0" encoding="utf-8"?>
-<p:sld xmlns:a="http://schemas.openxmlformats.org/drawingml/2006/main" xmlns:p="http://schemas.openxmlformats.org/presentationml/2006/main" xmlns:r="http://schemas.openxmlformats.org/officeDocument/2006/relationships">
+<p:sld xmlns:a="http://schemas.openxmlformats.org/drawingml/2006/main" xmlns:r="http://schemas.openxmlformats.org/officeDocument/2006/relationships" xmlns:p="http://schemas.openxmlformats.org/presentationml/2006/main">
   <p:cSld>
     <p:spTree>
       <p:nvGrpSpPr>
@@ -4758,7 +5130,14 @@
         <p:cNvGrpSpPr/>
         <p:nvPr/>
       </p:nvGrpSpPr>
-      <p:grpSpPr/>
+      <p:grpSpPr>
+        <a:xfrm>
+          <a:off x="0" y="0"/>
+          <a:ext cx="0" cy="0"/>
+          <a:chOff x="0" y="0"/>
+          <a:chExt cx="0" cy="0"/>
+        </a:xfrm>
+      </p:grpSpPr>
       <p:sp>
         <p:nvSpPr>
           <p:cNvPr id="2" name="Title 1"/>
@@ -4775,7 +5154,7 @@
           <a:lstStyle/>
           <a:p>
             <a:r>
-              <a:t>Learning Objectives</a:t>
+              <a:t>Activity / Readings</a:t>
             </a:r>
           </a:p>
         </p:txBody>
@@ -4794,23 +5173,17 @@
         <p:txBody>
           <a:bodyPr/>
           <a:lstStyle/>
-          <a:p/>
-          <a:p>
-            <a:pPr/>
-            <a:r>
-              <a:t>Understand the core concepts introduced in Week 8 — Spark &amp; Distributed Computation</a:t>
-            </a:r>
-          </a:p>
-          <a:p>
-            <a:pPr/>
-            <a:r>
-              <a:t>Be able to explain and contrast the main approaches</a:t>
-            </a:r>
-          </a:p>
-          <a:p>
-            <a:pPr/>
-            <a:r>
-              <a:t>Apply at least one practical technique in a lab setting</a:t>
+          <a:p>
+            <a:endParaRPr/>
+          </a:p>
+          <a:p>
+            <a:r>
+              <a:t>Hands-on: MapReduce pseudocode exercise</a:t>
+            </a:r>
+          </a:p>
+          <a:p>
+            <a:r>
+              <a:t>Reading: Hadoop design paper (extract)</a:t>
             </a:r>
           </a:p>
         </p:txBody>
@@ -4824,7 +5197,7 @@
 </file>
 
 <file path=ppt/slides/slide31.xml><?xml version="1.0" encoding="utf-8"?>
-<p:sld xmlns:a="http://schemas.openxmlformats.org/drawingml/2006/main" xmlns:p="http://schemas.openxmlformats.org/presentationml/2006/main" xmlns:r="http://schemas.openxmlformats.org/officeDocument/2006/relationships">
+<p:sld xmlns:a="http://schemas.openxmlformats.org/drawingml/2006/main" xmlns:r="http://schemas.openxmlformats.org/officeDocument/2006/relationships" xmlns:p="http://schemas.openxmlformats.org/presentationml/2006/main">
   <p:cSld>
     <p:spTree>
       <p:nvGrpSpPr>
@@ -4832,7 +5205,14 @@
         <p:cNvGrpSpPr/>
         <p:nvPr/>
       </p:nvGrpSpPr>
-      <p:grpSpPr/>
+      <p:grpSpPr>
+        <a:xfrm>
+          <a:off x="0" y="0"/>
+          <a:ext cx="0" cy="0"/>
+          <a:chOff x="0" y="0"/>
+          <a:chExt cx="0" cy="0"/>
+        </a:xfrm>
+      </p:grpSpPr>
       <p:sp>
         <p:nvSpPr>
           <p:cNvPr id="2" name="Title 1"/>
@@ -4840,57 +5220,37 @@
             <a:spLocks noGrp="1"/>
           </p:cNvSpPr>
           <p:nvPr>
-            <p:ph type="title"/>
-          </p:nvPr>
-        </p:nvSpPr>
-        <p:spPr/>
-        <p:txBody>
-          <a:bodyPr/>
-          <a:lstStyle/>
-          <a:p>
-            <a:r>
-              <a:t>Key Topics</a:t>
-            </a:r>
-          </a:p>
-        </p:txBody>
-      </p:sp>
-      <p:sp>
-        <p:nvSpPr>
-          <p:cNvPr id="3" name="Content Placeholder 2"/>
-          <p:cNvSpPr>
-            <a:spLocks noGrp="1"/>
-          </p:cNvSpPr>
-          <p:nvPr>
-            <p:ph idx="1"/>
-          </p:nvPr>
-        </p:nvSpPr>
-        <p:spPr/>
-        <p:txBody>
-          <a:bodyPr/>
-          <a:lstStyle/>
-          <a:p/>
-          <a:p>
-            <a:pPr/>
-            <a:r>
-              <a:t>Spark architecture &amp; execution model</a:t>
-            </a:r>
-          </a:p>
-          <a:p>
-            <a:pPr/>
-            <a:r>
-              <a:t>RDD vs DataFrame API</a:t>
-            </a:r>
-          </a:p>
-          <a:p>
-            <a:pPr/>
-            <a:r>
-              <a:t>Narrow vs wide dependencies</a:t>
-            </a:r>
-          </a:p>
-          <a:p>
-            <a:pPr/>
-            <a:r>
-              <a:t>Performance tuning: partitions, caching</a:t>
+            <p:ph type="ctrTitle"/>
+          </p:nvPr>
+        </p:nvSpPr>
+        <p:spPr/>
+        <p:txBody>
+          <a:bodyPr/>
+          <a:lstStyle/>
+          <a:p>
+            <a:r>
+              <a:t>Lecture 8: Week 8 — Spark &amp; Distributed Computation</a:t>
+            </a:r>
+          </a:p>
+        </p:txBody>
+      </p:sp>
+      <p:sp>
+        <p:nvSpPr>
+          <p:cNvPr id="3" name="Subtitle 2"/>
+          <p:cNvSpPr>
+            <a:spLocks noGrp="1"/>
+          </p:cNvSpPr>
+          <p:nvPr>
+            <p:ph type="subTitle" idx="1"/>
+          </p:nvPr>
+        </p:nvSpPr>
+        <p:spPr/>
+        <p:txBody>
+          <a:bodyPr/>
+          <a:lstStyle/>
+          <a:p>
+            <a:r>
+              <a:t>RDDs, DataFrames, transformations/actions, tuning</a:t>
             </a:r>
           </a:p>
         </p:txBody>
@@ -4904,7 +5264,7 @@
 </file>
 
 <file path=ppt/slides/slide32.xml><?xml version="1.0" encoding="utf-8"?>
-<p:sld xmlns:a="http://schemas.openxmlformats.org/drawingml/2006/main" xmlns:p="http://schemas.openxmlformats.org/presentationml/2006/main" xmlns:r="http://schemas.openxmlformats.org/officeDocument/2006/relationships">
+<p:sld xmlns:a="http://schemas.openxmlformats.org/drawingml/2006/main" xmlns:r="http://schemas.openxmlformats.org/officeDocument/2006/relationships" xmlns:p="http://schemas.openxmlformats.org/presentationml/2006/main">
   <p:cSld>
     <p:spTree>
       <p:nvGrpSpPr>
@@ -4912,7 +5272,14 @@
         <p:cNvGrpSpPr/>
         <p:nvPr/>
       </p:nvGrpSpPr>
-      <p:grpSpPr/>
+      <p:grpSpPr>
+        <a:xfrm>
+          <a:off x="0" y="0"/>
+          <a:ext cx="0" cy="0"/>
+          <a:chOff x="0" y="0"/>
+          <a:chExt cx="0" cy="0"/>
+        </a:xfrm>
+      </p:grpSpPr>
       <p:sp>
         <p:nvSpPr>
           <p:cNvPr id="2" name="Title 1"/>
@@ -4929,7 +5296,7 @@
           <a:lstStyle/>
           <a:p>
             <a:r>
-              <a:t>Activity / Readings</a:t>
+              <a:t>Learning Objectives</a:t>
             </a:r>
           </a:p>
         </p:txBody>
@@ -4948,17 +5315,33 @@
         <p:txBody>
           <a:bodyPr/>
           <a:lstStyle/>
-          <a:p/>
-          <a:p>
-            <a:pPr/>
-            <a:r>
-              <a:t>Lab: PySpark tuning tasks (practical_b_pyspark.ipynb)</a:t>
-            </a:r>
-          </a:p>
-          <a:p>
-            <a:pPr/>
-            <a:r>
-              <a:t>Experiment: vary shuffle partitions</a:t>
+          <a:p>
+            <a:endParaRPr dirty="0"/>
+          </a:p>
+          <a:p>
+            <a:r>
+              <a:rPr dirty="0"/>
+              <a:t>Understand the core concepts introduced in Week 8</a:t>
+            </a:r>
+            <a:r>
+              <a:rPr lang="en-GB" dirty="0"/>
+              <a:t>:</a:t>
+            </a:r>
+            <a:r>
+              <a:rPr dirty="0"/>
+              <a:t> Spark &amp; Distributed Computation</a:t>
+            </a:r>
+          </a:p>
+          <a:p>
+            <a:r>
+              <a:rPr dirty="0"/>
+              <a:t>Be able to explain and contrast the main approaches</a:t>
+            </a:r>
+          </a:p>
+          <a:p>
+            <a:r>
+              <a:rPr dirty="0"/>
+              <a:t>Apply at least one practical technique in a lab setting</a:t>
             </a:r>
           </a:p>
         </p:txBody>
@@ -4972,7 +5355,7 @@
 </file>
 
 <file path=ppt/slides/slide33.xml><?xml version="1.0" encoding="utf-8"?>
-<p:sld xmlns:a="http://schemas.openxmlformats.org/drawingml/2006/main" xmlns:p="http://schemas.openxmlformats.org/presentationml/2006/main" xmlns:r="http://schemas.openxmlformats.org/officeDocument/2006/relationships">
+<p:sld xmlns:a="http://schemas.openxmlformats.org/drawingml/2006/main" xmlns:r="http://schemas.openxmlformats.org/officeDocument/2006/relationships" xmlns:p="http://schemas.openxmlformats.org/presentationml/2006/main">
   <p:cSld>
     <p:spTree>
       <p:nvGrpSpPr>
@@ -4980,7 +5363,14 @@
         <p:cNvGrpSpPr/>
         <p:nvPr/>
       </p:nvGrpSpPr>
-      <p:grpSpPr/>
+      <p:grpSpPr>
+        <a:xfrm>
+          <a:off x="0" y="0"/>
+          <a:ext cx="0" cy="0"/>
+          <a:chOff x="0" y="0"/>
+          <a:chExt cx="0" cy="0"/>
+        </a:xfrm>
+      </p:grpSpPr>
       <p:sp>
         <p:nvSpPr>
           <p:cNvPr id="2" name="Title 1"/>
@@ -4988,37 +5378,55 @@
             <a:spLocks noGrp="1"/>
           </p:cNvSpPr>
           <p:nvPr>
-            <p:ph type="ctrTitle"/>
-          </p:nvPr>
-        </p:nvSpPr>
-        <p:spPr/>
-        <p:txBody>
-          <a:bodyPr/>
-          <a:lstStyle/>
-          <a:p>
-            <a:r>
-              <a:t>Lecture 9: Week 9 — Graph Theory &amp; Network Analysis</a:t>
-            </a:r>
-          </a:p>
-        </p:txBody>
-      </p:sp>
-      <p:sp>
-        <p:nvSpPr>
-          <p:cNvPr id="3" name="Subtitle 2"/>
-          <p:cNvSpPr>
-            <a:spLocks noGrp="1"/>
-          </p:cNvSpPr>
-          <p:nvPr>
-            <p:ph type="subTitle" idx="1"/>
-          </p:nvPr>
-        </p:nvSpPr>
-        <p:spPr/>
-        <p:txBody>
-          <a:bodyPr/>
-          <a:lstStyle/>
-          <a:p>
-            <a:r>
-              <a:t>Centrality, community detection, random walks</a:t>
+            <p:ph type="title"/>
+          </p:nvPr>
+        </p:nvSpPr>
+        <p:spPr/>
+        <p:txBody>
+          <a:bodyPr/>
+          <a:lstStyle/>
+          <a:p>
+            <a:r>
+              <a:t>Key Topics</a:t>
+            </a:r>
+          </a:p>
+        </p:txBody>
+      </p:sp>
+      <p:sp>
+        <p:nvSpPr>
+          <p:cNvPr id="3" name="Content Placeholder 2"/>
+          <p:cNvSpPr>
+            <a:spLocks noGrp="1"/>
+          </p:cNvSpPr>
+          <p:nvPr>
+            <p:ph idx="1"/>
+          </p:nvPr>
+        </p:nvSpPr>
+        <p:spPr/>
+        <p:txBody>
+          <a:bodyPr/>
+          <a:lstStyle/>
+          <a:p>
+            <a:endParaRPr/>
+          </a:p>
+          <a:p>
+            <a:r>
+              <a:t>Spark architecture &amp; execution model</a:t>
+            </a:r>
+          </a:p>
+          <a:p>
+            <a:r>
+              <a:t>RDD vs DataFrame API</a:t>
+            </a:r>
+          </a:p>
+          <a:p>
+            <a:r>
+              <a:t>Narrow vs wide dependencies</a:t>
+            </a:r>
+          </a:p>
+          <a:p>
+            <a:r>
+              <a:t>Performance tuning: partitions, caching</a:t>
             </a:r>
           </a:p>
         </p:txBody>
@@ -5032,7 +5440,7 @@
 </file>
 
 <file path=ppt/slides/slide34.xml><?xml version="1.0" encoding="utf-8"?>
-<p:sld xmlns:a="http://schemas.openxmlformats.org/drawingml/2006/main" xmlns:p="http://schemas.openxmlformats.org/presentationml/2006/main" xmlns:r="http://schemas.openxmlformats.org/officeDocument/2006/relationships">
+<p:sld xmlns:a="http://schemas.openxmlformats.org/drawingml/2006/main" xmlns:r="http://schemas.openxmlformats.org/officeDocument/2006/relationships" xmlns:p="http://schemas.openxmlformats.org/presentationml/2006/main">
   <p:cSld>
     <p:spTree>
       <p:nvGrpSpPr>
@@ -5040,7 +5448,14 @@
         <p:cNvGrpSpPr/>
         <p:nvPr/>
       </p:nvGrpSpPr>
-      <p:grpSpPr/>
+      <p:grpSpPr>
+        <a:xfrm>
+          <a:off x="0" y="0"/>
+          <a:ext cx="0" cy="0"/>
+          <a:chOff x="0" y="0"/>
+          <a:chExt cx="0" cy="0"/>
+        </a:xfrm>
+      </p:grpSpPr>
       <p:sp>
         <p:nvSpPr>
           <p:cNvPr id="2" name="Title 1"/>
@@ -5057,7 +5472,7 @@
           <a:lstStyle/>
           <a:p>
             <a:r>
-              <a:t>Learning Objectives</a:t>
+              <a:t>Activity / Readings</a:t>
             </a:r>
           </a:p>
         </p:txBody>
@@ -5076,24 +5491,49 @@
         <p:txBody>
           <a:bodyPr/>
           <a:lstStyle/>
-          <a:p/>
-          <a:p>
-            <a:pPr/>
-            <a:r>
-              <a:t>Understand the core concepts introduced in Week 9 — Graph Theory &amp; Network Analysis</a:t>
-            </a:r>
-          </a:p>
-          <a:p>
-            <a:pPr/>
-            <a:r>
-              <a:t>Be able to explain and contrast the main approaches</a:t>
-            </a:r>
-          </a:p>
-          <a:p>
-            <a:pPr/>
-            <a:r>
-              <a:t>Apply at least one practical technique in a lab setting</a:t>
-            </a:r>
+          <a:p>
+            <a:endParaRPr dirty="0"/>
+          </a:p>
+          <a:p>
+            <a:r>
+              <a:rPr dirty="0"/>
+              <a:t>Lab: </a:t>
+            </a:r>
+            <a:r>
+              <a:rPr dirty="0" err="1"/>
+              <a:t>PySpark</a:t>
+            </a:r>
+            <a:r>
+              <a:rPr dirty="0"/>
+              <a:t> tuning tasks (</a:t>
+            </a:r>
+            <a:r>
+              <a:rPr dirty="0" err="1"/>
+              <a:t>practical_b_pyspark.ipynb</a:t>
+            </a:r>
+            <a:r>
+              <a:rPr dirty="0"/>
+              <a:t>)</a:t>
+            </a:r>
+          </a:p>
+          <a:p>
+            <a:r>
+              <a:rPr dirty="0"/>
+              <a:t>Experiment: vary shuffle partitions</a:t>
+            </a:r>
+            <a:endParaRPr lang="en-GB" dirty="0"/>
+          </a:p>
+          <a:p>
+            <a:r>
+              <a:rPr lang="en-GB" dirty="0">
+                <a:hlinkClick r:id="rId2"/>
+              </a:rPr>
+              <a:t>https://github.com/neelsoumya/teaching_big_data_analytics/blob/main/practical_b_pyspark.py</a:t>
+            </a:r>
+            <a:endParaRPr lang="en-GB" dirty="0"/>
+          </a:p>
+          <a:p>
+            <a:endParaRPr dirty="0"/>
           </a:p>
         </p:txBody>
       </p:sp>
@@ -5106,7 +5546,7 @@
 </file>
 
 <file path=ppt/slides/slide35.xml><?xml version="1.0" encoding="utf-8"?>
-<p:sld xmlns:a="http://schemas.openxmlformats.org/drawingml/2006/main" xmlns:p="http://schemas.openxmlformats.org/presentationml/2006/main" xmlns:r="http://schemas.openxmlformats.org/officeDocument/2006/relationships">
+<p:sld xmlns:a="http://schemas.openxmlformats.org/drawingml/2006/main" xmlns:r="http://schemas.openxmlformats.org/officeDocument/2006/relationships" xmlns:p="http://schemas.openxmlformats.org/presentationml/2006/main">
   <p:cSld>
     <p:spTree>
       <p:nvGrpSpPr>
@@ -5114,7 +5554,14 @@
         <p:cNvGrpSpPr/>
         <p:nvPr/>
       </p:nvGrpSpPr>
-      <p:grpSpPr/>
+      <p:grpSpPr>
+        <a:xfrm>
+          <a:off x="0" y="0"/>
+          <a:ext cx="0" cy="0"/>
+          <a:chOff x="0" y="0"/>
+          <a:chExt cx="0" cy="0"/>
+        </a:xfrm>
+      </p:grpSpPr>
       <p:sp>
         <p:nvSpPr>
           <p:cNvPr id="2" name="Title 1"/>
@@ -5122,57 +5569,46 @@
             <a:spLocks noGrp="1"/>
           </p:cNvSpPr>
           <p:nvPr>
-            <p:ph type="title"/>
-          </p:nvPr>
-        </p:nvSpPr>
-        <p:spPr/>
-        <p:txBody>
-          <a:bodyPr/>
-          <a:lstStyle/>
-          <a:p>
-            <a:r>
-              <a:t>Key Topics</a:t>
-            </a:r>
-          </a:p>
-        </p:txBody>
-      </p:sp>
-      <p:sp>
-        <p:nvSpPr>
-          <p:cNvPr id="3" name="Content Placeholder 2"/>
-          <p:cNvSpPr>
-            <a:spLocks noGrp="1"/>
-          </p:cNvSpPr>
-          <p:nvPr>
-            <p:ph idx="1"/>
-          </p:nvPr>
-        </p:nvSpPr>
-        <p:spPr/>
-        <p:txBody>
-          <a:bodyPr/>
-          <a:lstStyle/>
-          <a:p/>
-          <a:p>
-            <a:pPr/>
-            <a:r>
-              <a:t>Graph representations (adj list/matrix)</a:t>
-            </a:r>
-          </a:p>
-          <a:p>
-            <a:pPr/>
-            <a:r>
-              <a:t>Degree, betweenness, closeness, PageRank</a:t>
-            </a:r>
-          </a:p>
-          <a:p>
-            <a:pPr/>
-            <a:r>
-              <a:t>Community detection (Louvaine)</a:t>
-            </a:r>
-          </a:p>
-          <a:p>
-            <a:pPr/>
-            <a:r>
-              <a:t>Random walks intuition</a:t>
+            <p:ph type="ctrTitle"/>
+          </p:nvPr>
+        </p:nvSpPr>
+        <p:spPr/>
+        <p:txBody>
+          <a:bodyPr/>
+          <a:lstStyle/>
+          <a:p>
+            <a:r>
+              <a:rPr dirty="0"/>
+              <a:t>Lecture 9: Week 9 </a:t>
+            </a:r>
+            <a:r>
+              <a:rPr lang="en-GB" dirty="0"/>
+              <a:t>:</a:t>
+            </a:r>
+            <a:r>
+              <a:rPr dirty="0"/>
+              <a:t> Graph Theory &amp; Network Analysis</a:t>
+            </a:r>
+          </a:p>
+        </p:txBody>
+      </p:sp>
+      <p:sp>
+        <p:nvSpPr>
+          <p:cNvPr id="3" name="Subtitle 2"/>
+          <p:cNvSpPr>
+            <a:spLocks noGrp="1"/>
+          </p:cNvSpPr>
+          <p:nvPr>
+            <p:ph type="subTitle" idx="1"/>
+          </p:nvPr>
+        </p:nvSpPr>
+        <p:spPr/>
+        <p:txBody>
+          <a:bodyPr/>
+          <a:lstStyle/>
+          <a:p>
+            <a:r>
+              <a:t>Centrality, community detection, random walks</a:t>
             </a:r>
           </a:p>
         </p:txBody>
@@ -5186,7 +5622,7 @@
 </file>
 
 <file path=ppt/slides/slide36.xml><?xml version="1.0" encoding="utf-8"?>
-<p:sld xmlns:a="http://schemas.openxmlformats.org/drawingml/2006/main" xmlns:p="http://schemas.openxmlformats.org/presentationml/2006/main" xmlns:r="http://schemas.openxmlformats.org/officeDocument/2006/relationships">
+<p:sld xmlns:a="http://schemas.openxmlformats.org/drawingml/2006/main" xmlns:r="http://schemas.openxmlformats.org/officeDocument/2006/relationships" xmlns:p="http://schemas.openxmlformats.org/presentationml/2006/main">
   <p:cSld>
     <p:spTree>
       <p:nvGrpSpPr>
@@ -5194,7 +5630,14 @@
         <p:cNvGrpSpPr/>
         <p:nvPr/>
       </p:nvGrpSpPr>
-      <p:grpSpPr/>
+      <p:grpSpPr>
+        <a:xfrm>
+          <a:off x="0" y="0"/>
+          <a:ext cx="0" cy="0"/>
+          <a:chOff x="0" y="0"/>
+          <a:chExt cx="0" cy="0"/>
+        </a:xfrm>
+      </p:grpSpPr>
       <p:sp>
         <p:nvSpPr>
           <p:cNvPr id="2" name="Title 1"/>
@@ -5211,7 +5654,7 @@
           <a:lstStyle/>
           <a:p>
             <a:r>
-              <a:t>Activity / Readings</a:t>
+              <a:t>Learning Objectives</a:t>
             </a:r>
           </a:p>
         </p:txBody>
@@ -5230,17 +5673,33 @@
         <p:txBody>
           <a:bodyPr/>
           <a:lstStyle/>
-          <a:p/>
-          <a:p>
-            <a:pPr/>
-            <a:r>
-              <a:t>Lab: NetworkX metrics and interpretation</a:t>
-            </a:r>
-          </a:p>
-          <a:p>
-            <a:pPr/>
-            <a:r>
-              <a:t>Reading: network analysis primer</a:t>
+          <a:p>
+            <a:endParaRPr dirty="0"/>
+          </a:p>
+          <a:p>
+            <a:r>
+              <a:rPr dirty="0"/>
+              <a:t>Understand the core concepts introduced in Week 9 </a:t>
+            </a:r>
+            <a:r>
+              <a:rPr lang="en-GB" dirty="0"/>
+              <a:t>:</a:t>
+            </a:r>
+            <a:r>
+              <a:rPr dirty="0"/>
+              <a:t> Graph Theory &amp; Network Analysis</a:t>
+            </a:r>
+          </a:p>
+          <a:p>
+            <a:r>
+              <a:rPr dirty="0"/>
+              <a:t>Be able to explain and contrast the main approaches</a:t>
+            </a:r>
+          </a:p>
+          <a:p>
+            <a:r>
+              <a:rPr dirty="0"/>
+              <a:t>Apply at least one practical technique in a lab setting</a:t>
             </a:r>
           </a:p>
         </p:txBody>
@@ -5254,7 +5713,7 @@
 </file>
 
 <file path=ppt/slides/slide37.xml><?xml version="1.0" encoding="utf-8"?>
-<p:sld xmlns:a="http://schemas.openxmlformats.org/drawingml/2006/main" xmlns:p="http://schemas.openxmlformats.org/presentationml/2006/main" xmlns:r="http://schemas.openxmlformats.org/officeDocument/2006/relationships">
+<p:sld xmlns:a="http://schemas.openxmlformats.org/drawingml/2006/main" xmlns:r="http://schemas.openxmlformats.org/officeDocument/2006/relationships" xmlns:p="http://schemas.openxmlformats.org/presentationml/2006/main">
   <p:cSld>
     <p:spTree>
       <p:nvGrpSpPr>
@@ -5262,7 +5721,14 @@
         <p:cNvGrpSpPr/>
         <p:nvPr/>
       </p:nvGrpSpPr>
-      <p:grpSpPr/>
+      <p:grpSpPr>
+        <a:xfrm>
+          <a:off x="0" y="0"/>
+          <a:ext cx="0" cy="0"/>
+          <a:chOff x="0" y="0"/>
+          <a:chExt cx="0" cy="0"/>
+        </a:xfrm>
+      </p:grpSpPr>
       <p:sp>
         <p:nvSpPr>
           <p:cNvPr id="2" name="Title 1"/>
@@ -5270,37 +5736,55 @@
             <a:spLocks noGrp="1"/>
           </p:cNvSpPr>
           <p:nvPr>
-            <p:ph type="ctrTitle"/>
-          </p:nvPr>
-        </p:nvSpPr>
-        <p:spPr/>
-        <p:txBody>
-          <a:bodyPr/>
-          <a:lstStyle/>
-          <a:p>
-            <a:r>
-              <a:t>Lecture 10: Week 10 — Graph Analytics at Scale</a:t>
-            </a:r>
-          </a:p>
-        </p:txBody>
-      </p:sp>
-      <p:sp>
-        <p:nvSpPr>
-          <p:cNvPr id="3" name="Subtitle 2"/>
-          <p:cNvSpPr>
-            <a:spLocks noGrp="1"/>
-          </p:cNvSpPr>
-          <p:nvPr>
-            <p:ph type="subTitle" idx="1"/>
-          </p:nvPr>
-        </p:nvSpPr>
-        <p:spPr/>
-        <p:txBody>
-          <a:bodyPr/>
-          <a:lstStyle/>
-          <a:p>
-            <a:r>
-              <a:t>GraphFrames, Neo4j overview, use cases</a:t>
+            <p:ph type="title"/>
+          </p:nvPr>
+        </p:nvSpPr>
+        <p:spPr/>
+        <p:txBody>
+          <a:bodyPr/>
+          <a:lstStyle/>
+          <a:p>
+            <a:r>
+              <a:t>Key Topics</a:t>
+            </a:r>
+          </a:p>
+        </p:txBody>
+      </p:sp>
+      <p:sp>
+        <p:nvSpPr>
+          <p:cNvPr id="3" name="Content Placeholder 2"/>
+          <p:cNvSpPr>
+            <a:spLocks noGrp="1"/>
+          </p:cNvSpPr>
+          <p:nvPr>
+            <p:ph idx="1"/>
+          </p:nvPr>
+        </p:nvSpPr>
+        <p:spPr/>
+        <p:txBody>
+          <a:bodyPr/>
+          <a:lstStyle/>
+          <a:p>
+            <a:endParaRPr/>
+          </a:p>
+          <a:p>
+            <a:r>
+              <a:t>Graph representations (adj list/matrix)</a:t>
+            </a:r>
+          </a:p>
+          <a:p>
+            <a:r>
+              <a:t>Degree, betweenness, closeness, PageRank</a:t>
+            </a:r>
+          </a:p>
+          <a:p>
+            <a:r>
+              <a:t>Community detection (Louvaine)</a:t>
+            </a:r>
+          </a:p>
+          <a:p>
+            <a:r>
+              <a:t>Random walks intuition</a:t>
             </a:r>
           </a:p>
         </p:txBody>
@@ -5314,7 +5798,7 @@
 </file>
 
 <file path=ppt/slides/slide38.xml><?xml version="1.0" encoding="utf-8"?>
-<p:sld xmlns:a="http://schemas.openxmlformats.org/drawingml/2006/main" xmlns:p="http://schemas.openxmlformats.org/presentationml/2006/main" xmlns:r="http://schemas.openxmlformats.org/officeDocument/2006/relationships">
+<p:sld xmlns:a="http://schemas.openxmlformats.org/drawingml/2006/main" xmlns:r="http://schemas.openxmlformats.org/officeDocument/2006/relationships" xmlns:p="http://schemas.openxmlformats.org/presentationml/2006/main">
   <p:cSld>
     <p:spTree>
       <p:nvGrpSpPr>
@@ -5322,7 +5806,14 @@
         <p:cNvGrpSpPr/>
         <p:nvPr/>
       </p:nvGrpSpPr>
-      <p:grpSpPr/>
+      <p:grpSpPr>
+        <a:xfrm>
+          <a:off x="0" y="0"/>
+          <a:ext cx="0" cy="0"/>
+          <a:chOff x="0" y="0"/>
+          <a:chExt cx="0" cy="0"/>
+        </a:xfrm>
+      </p:grpSpPr>
       <p:sp>
         <p:nvSpPr>
           <p:cNvPr id="2" name="Title 1"/>
@@ -5339,7 +5830,7 @@
           <a:lstStyle/>
           <a:p>
             <a:r>
-              <a:t>Learning Objectives</a:t>
+              <a:t>Activity / Readings</a:t>
             </a:r>
           </a:p>
         </p:txBody>
@@ -5358,23 +5849,17 @@
         <p:txBody>
           <a:bodyPr/>
           <a:lstStyle/>
-          <a:p/>
-          <a:p>
-            <a:pPr/>
-            <a:r>
-              <a:t>Understand the core concepts introduced in Week 10 — Graph Analytics at Scale</a:t>
-            </a:r>
-          </a:p>
-          <a:p>
-            <a:pPr/>
-            <a:r>
-              <a:t>Be able to explain and contrast the main approaches</a:t>
-            </a:r>
-          </a:p>
-          <a:p>
-            <a:pPr/>
-            <a:r>
-              <a:t>Apply at least one practical technique in a lab setting</a:t>
+          <a:p>
+            <a:endParaRPr/>
+          </a:p>
+          <a:p>
+            <a:r>
+              <a:t>Lab: NetworkX metrics and interpretation</a:t>
+            </a:r>
+          </a:p>
+          <a:p>
+            <a:r>
+              <a:t>Reading: network analysis primer</a:t>
             </a:r>
           </a:p>
         </p:txBody>
@@ -5388,7 +5873,7 @@
 </file>
 
 <file path=ppt/slides/slide39.xml><?xml version="1.0" encoding="utf-8"?>
-<p:sld xmlns:a="http://schemas.openxmlformats.org/drawingml/2006/main" xmlns:p="http://schemas.openxmlformats.org/presentationml/2006/main" xmlns:r="http://schemas.openxmlformats.org/officeDocument/2006/relationships">
+<p:sld xmlns:a="http://schemas.openxmlformats.org/drawingml/2006/main" xmlns:r="http://schemas.openxmlformats.org/officeDocument/2006/relationships" xmlns:p="http://schemas.openxmlformats.org/presentationml/2006/main">
   <p:cSld>
     <p:spTree>
       <p:nvGrpSpPr>
@@ -5396,7 +5881,14 @@
         <p:cNvGrpSpPr/>
         <p:nvPr/>
       </p:nvGrpSpPr>
-      <p:grpSpPr/>
+      <p:grpSpPr>
+        <a:xfrm>
+          <a:off x="0" y="0"/>
+          <a:ext cx="0" cy="0"/>
+          <a:chOff x="0" y="0"/>
+          <a:chExt cx="0" cy="0"/>
+        </a:xfrm>
+      </p:grpSpPr>
       <p:sp>
         <p:nvSpPr>
           <p:cNvPr id="2" name="Title 1"/>
@@ -5404,57 +5896,46 @@
             <a:spLocks noGrp="1"/>
           </p:cNvSpPr>
           <p:nvPr>
-            <p:ph type="title"/>
-          </p:nvPr>
-        </p:nvSpPr>
-        <p:spPr/>
-        <p:txBody>
-          <a:bodyPr/>
-          <a:lstStyle/>
-          <a:p>
-            <a:r>
-              <a:t>Key Topics</a:t>
-            </a:r>
-          </a:p>
-        </p:txBody>
-      </p:sp>
-      <p:sp>
-        <p:nvSpPr>
-          <p:cNvPr id="3" name="Content Placeholder 2"/>
-          <p:cNvSpPr>
-            <a:spLocks noGrp="1"/>
-          </p:cNvSpPr>
-          <p:nvPr>
-            <p:ph idx="1"/>
-          </p:nvPr>
-        </p:nvSpPr>
-        <p:spPr/>
-        <p:txBody>
-          <a:bodyPr/>
-          <a:lstStyle/>
-          <a:p/>
-          <a:p>
-            <a:pPr/>
-            <a:r>
-              <a:t>Scaling graph analytics (GraphFrames)</a:t>
-            </a:r>
-          </a:p>
-          <a:p>
-            <a:pPr/>
-            <a:r>
-              <a:t>Neo4j and property graphs</a:t>
-            </a:r>
-          </a:p>
-          <a:p>
-            <a:pPr/>
-            <a:r>
-              <a:t>Use-cases: recommender systems, knowledge graphs</a:t>
-            </a:r>
-          </a:p>
-          <a:p>
-            <a:pPr/>
-            <a:r>
-              <a:t>Indexing &amp; query strategies</a:t>
+            <p:ph type="ctrTitle"/>
+          </p:nvPr>
+        </p:nvSpPr>
+        <p:spPr/>
+        <p:txBody>
+          <a:bodyPr/>
+          <a:lstStyle/>
+          <a:p>
+            <a:r>
+              <a:rPr dirty="0"/>
+              <a:t>Lecture 10: Week 10 </a:t>
+            </a:r>
+            <a:r>
+              <a:rPr lang="en-GB" dirty="0"/>
+              <a:t>:</a:t>
+            </a:r>
+            <a:r>
+              <a:rPr dirty="0"/>
+              <a:t> Graph Analytics at Scale</a:t>
+            </a:r>
+          </a:p>
+        </p:txBody>
+      </p:sp>
+      <p:sp>
+        <p:nvSpPr>
+          <p:cNvPr id="3" name="Subtitle 2"/>
+          <p:cNvSpPr>
+            <a:spLocks noGrp="1"/>
+          </p:cNvSpPr>
+          <p:nvPr>
+            <p:ph type="subTitle" idx="1"/>
+          </p:nvPr>
+        </p:nvSpPr>
+        <p:spPr/>
+        <p:txBody>
+          <a:bodyPr/>
+          <a:lstStyle/>
+          <a:p>
+            <a:r>
+              <a:t>GraphFrames, Neo4j overview, use cases</a:t>
             </a:r>
           </a:p>
         </p:txBody>
@@ -5468,7 +5949,7 @@
 </file>
 
 <file path=ppt/slides/slide4.xml><?xml version="1.0" encoding="utf-8"?>
-<p:sld xmlns:a="http://schemas.openxmlformats.org/drawingml/2006/main" xmlns:p="http://schemas.openxmlformats.org/presentationml/2006/main" xmlns:r="http://schemas.openxmlformats.org/officeDocument/2006/relationships">
+<p:sld xmlns:a="http://schemas.openxmlformats.org/drawingml/2006/main" xmlns:r="http://schemas.openxmlformats.org/officeDocument/2006/relationships" xmlns:p="http://schemas.openxmlformats.org/presentationml/2006/main">
   <p:cSld>
     <p:spTree>
       <p:nvGrpSpPr>
@@ -5476,7 +5957,14 @@
         <p:cNvGrpSpPr/>
         <p:nvPr/>
       </p:nvGrpSpPr>
-      <p:grpSpPr/>
+      <p:grpSpPr>
+        <a:xfrm>
+          <a:off x="0" y="0"/>
+          <a:ext cx="0" cy="0"/>
+          <a:chOff x="0" y="0"/>
+          <a:chExt cx="0" cy="0"/>
+        </a:xfrm>
+      </p:grpSpPr>
       <p:sp>
         <p:nvSpPr>
           <p:cNvPr id="2" name="Title 1"/>
@@ -5493,7 +5981,7 @@
           <a:lstStyle/>
           <a:p>
             <a:r>
-              <a:t>Activity / Readings</a:t>
+              <a:t>Key Topics</a:t>
             </a:r>
           </a:p>
         </p:txBody>
@@ -5512,17 +6000,27 @@
         <p:txBody>
           <a:bodyPr/>
           <a:lstStyle/>
-          <a:p/>
-          <a:p>
-            <a:pPr/>
-            <a:r>
-              <a:t>Minute paper: list 2 questions you want answered</a:t>
-            </a:r>
-          </a:p>
-          <a:p>
-            <a:pPr/>
-            <a:r>
-              <a:t>Reading: course spec &amp; suggested intro chapters (McKinney)</a:t>
+          <a:p>
+            <a:endParaRPr/>
+          </a:p>
+          <a:p>
+            <a:r>
+              <a:t>Definitions: Big Data vs 'large data'</a:t>
+            </a:r>
+          </a:p>
+          <a:p>
+            <a:r>
+              <a:t>The data life-cycle (ingest→store→process→serve)</a:t>
+            </a:r>
+          </a:p>
+          <a:p>
+            <a:r>
+              <a:t>Types: structured, unstructured, semi-structured</a:t>
+            </a:r>
+          </a:p>
+          <a:p>
+            <a:r>
+              <a:t>Course structure &amp; assessments</a:t>
             </a:r>
           </a:p>
         </p:txBody>
@@ -5536,7 +6034,7 @@
 </file>
 
 <file path=ppt/slides/slide40.xml><?xml version="1.0" encoding="utf-8"?>
-<p:sld xmlns:a="http://schemas.openxmlformats.org/drawingml/2006/main" xmlns:p="http://schemas.openxmlformats.org/presentationml/2006/main" xmlns:r="http://schemas.openxmlformats.org/officeDocument/2006/relationships">
+<p:sld xmlns:a="http://schemas.openxmlformats.org/drawingml/2006/main" xmlns:r="http://schemas.openxmlformats.org/officeDocument/2006/relationships" xmlns:p="http://schemas.openxmlformats.org/presentationml/2006/main">
   <p:cSld>
     <p:spTree>
       <p:nvGrpSpPr>
@@ -5544,7 +6042,14 @@
         <p:cNvGrpSpPr/>
         <p:nvPr/>
       </p:nvGrpSpPr>
-      <p:grpSpPr/>
+      <p:grpSpPr>
+        <a:xfrm>
+          <a:off x="0" y="0"/>
+          <a:ext cx="0" cy="0"/>
+          <a:chOff x="0" y="0"/>
+          <a:chExt cx="0" cy="0"/>
+        </a:xfrm>
+      </p:grpSpPr>
       <p:sp>
         <p:nvSpPr>
           <p:cNvPr id="2" name="Title 1"/>
@@ -5561,7 +6066,7 @@
           <a:lstStyle/>
           <a:p>
             <a:r>
-              <a:t>Activity / Readings</a:t>
+              <a:t>Learning Objectives</a:t>
             </a:r>
           </a:p>
         </p:txBody>
@@ -5580,17 +6085,33 @@
         <p:txBody>
           <a:bodyPr/>
           <a:lstStyle/>
-          <a:p/>
-          <a:p>
-            <a:pPr/>
-            <a:r>
-              <a:t>Design: graph-backed feature for a recommender</a:t>
-            </a:r>
-          </a:p>
-          <a:p>
-            <a:pPr/>
-            <a:r>
-              <a:t>Demo: Neo4j cypher examples</a:t>
+          <a:p>
+            <a:endParaRPr dirty="0"/>
+          </a:p>
+          <a:p>
+            <a:r>
+              <a:rPr dirty="0"/>
+              <a:t>Understand the core concepts introduced in Week 10 </a:t>
+            </a:r>
+            <a:r>
+              <a:rPr lang="en-GB" dirty="0"/>
+              <a:t>:</a:t>
+            </a:r>
+            <a:r>
+              <a:rPr dirty="0"/>
+              <a:t> Graph Analytics at Scale</a:t>
+            </a:r>
+          </a:p>
+          <a:p>
+            <a:r>
+              <a:rPr dirty="0"/>
+              <a:t>Be able to explain and contrast the main approaches</a:t>
+            </a:r>
+          </a:p>
+          <a:p>
+            <a:r>
+              <a:rPr dirty="0"/>
+              <a:t>Apply at least one practical technique in a lab setting</a:t>
             </a:r>
           </a:p>
         </p:txBody>
@@ -5604,7 +6125,7 @@
 </file>
 
 <file path=ppt/slides/slide41.xml><?xml version="1.0" encoding="utf-8"?>
-<p:sld xmlns:a="http://schemas.openxmlformats.org/drawingml/2006/main" xmlns:p="http://schemas.openxmlformats.org/presentationml/2006/main" xmlns:r="http://schemas.openxmlformats.org/officeDocument/2006/relationships">
+<p:sld xmlns:a="http://schemas.openxmlformats.org/drawingml/2006/main" xmlns:r="http://schemas.openxmlformats.org/officeDocument/2006/relationships" xmlns:p="http://schemas.openxmlformats.org/presentationml/2006/main">
   <p:cSld>
     <p:spTree>
       <p:nvGrpSpPr>
@@ -5612,7 +6133,14 @@
         <p:cNvGrpSpPr/>
         <p:nvPr/>
       </p:nvGrpSpPr>
-      <p:grpSpPr/>
+      <p:grpSpPr>
+        <a:xfrm>
+          <a:off x="0" y="0"/>
+          <a:ext cx="0" cy="0"/>
+          <a:chOff x="0" y="0"/>
+          <a:chExt cx="0" cy="0"/>
+        </a:xfrm>
+      </p:grpSpPr>
       <p:sp>
         <p:nvSpPr>
           <p:cNvPr id="2" name="Title 1"/>
@@ -5620,37 +6148,55 @@
             <a:spLocks noGrp="1"/>
           </p:cNvSpPr>
           <p:nvPr>
-            <p:ph type="ctrTitle"/>
-          </p:nvPr>
-        </p:nvSpPr>
-        <p:spPr/>
-        <p:txBody>
-          <a:bodyPr/>
-          <a:lstStyle/>
-          <a:p>
-            <a:r>
-              <a:t>Lecture 11: Week 11 — ML at Scale &amp; Feature Engineering</a:t>
-            </a:r>
-          </a:p>
-        </p:txBody>
-      </p:sp>
-      <p:sp>
-        <p:nvSpPr>
-          <p:cNvPr id="3" name="Subtitle 2"/>
-          <p:cNvSpPr>
-            <a:spLocks noGrp="1"/>
-          </p:cNvSpPr>
-          <p:nvPr>
-            <p:ph type="subTitle" idx="1"/>
-          </p:nvPr>
-        </p:nvSpPr>
-        <p:spPr/>
-        <p:txBody>
-          <a:bodyPr/>
-          <a:lstStyle/>
-          <a:p>
-            <a:r>
-              <a:t>Decision trees, distributed training, feature stores</a:t>
+            <p:ph type="title"/>
+          </p:nvPr>
+        </p:nvSpPr>
+        <p:spPr/>
+        <p:txBody>
+          <a:bodyPr/>
+          <a:lstStyle/>
+          <a:p>
+            <a:r>
+              <a:t>Key Topics</a:t>
+            </a:r>
+          </a:p>
+        </p:txBody>
+      </p:sp>
+      <p:sp>
+        <p:nvSpPr>
+          <p:cNvPr id="3" name="Content Placeholder 2"/>
+          <p:cNvSpPr>
+            <a:spLocks noGrp="1"/>
+          </p:cNvSpPr>
+          <p:nvPr>
+            <p:ph idx="1"/>
+          </p:nvPr>
+        </p:nvSpPr>
+        <p:spPr/>
+        <p:txBody>
+          <a:bodyPr/>
+          <a:lstStyle/>
+          <a:p>
+            <a:endParaRPr/>
+          </a:p>
+          <a:p>
+            <a:r>
+              <a:t>Scaling graph analytics (GraphFrames)</a:t>
+            </a:r>
+          </a:p>
+          <a:p>
+            <a:r>
+              <a:t>Neo4j and property graphs</a:t>
+            </a:r>
+          </a:p>
+          <a:p>
+            <a:r>
+              <a:t>Use-cases: recommender systems, knowledge graphs</a:t>
+            </a:r>
+          </a:p>
+          <a:p>
+            <a:r>
+              <a:t>Indexing &amp; query strategies</a:t>
             </a:r>
           </a:p>
         </p:txBody>
@@ -5664,7 +6210,7 @@
 </file>
 
 <file path=ppt/slides/slide42.xml><?xml version="1.0" encoding="utf-8"?>
-<p:sld xmlns:a="http://schemas.openxmlformats.org/drawingml/2006/main" xmlns:p="http://schemas.openxmlformats.org/presentationml/2006/main" xmlns:r="http://schemas.openxmlformats.org/officeDocument/2006/relationships">
+<p:sld xmlns:a="http://schemas.openxmlformats.org/drawingml/2006/main" xmlns:r="http://schemas.openxmlformats.org/officeDocument/2006/relationships" xmlns:p="http://schemas.openxmlformats.org/presentationml/2006/main">
   <p:cSld>
     <p:spTree>
       <p:nvGrpSpPr>
@@ -5672,7 +6218,14 @@
         <p:cNvGrpSpPr/>
         <p:nvPr/>
       </p:nvGrpSpPr>
-      <p:grpSpPr/>
+      <p:grpSpPr>
+        <a:xfrm>
+          <a:off x="0" y="0"/>
+          <a:ext cx="0" cy="0"/>
+          <a:chOff x="0" y="0"/>
+          <a:chExt cx="0" cy="0"/>
+        </a:xfrm>
+      </p:grpSpPr>
       <p:sp>
         <p:nvSpPr>
           <p:cNvPr id="2" name="Title 1"/>
@@ -5689,7 +6242,7 @@
           <a:lstStyle/>
           <a:p>
             <a:r>
-              <a:t>Learning Objectives</a:t>
+              <a:t>Activity / Readings</a:t>
             </a:r>
           </a:p>
         </p:txBody>
@@ -5708,23 +6261,17 @@
         <p:txBody>
           <a:bodyPr/>
           <a:lstStyle/>
-          <a:p/>
-          <a:p>
-            <a:pPr/>
-            <a:r>
-              <a:t>Understand the core concepts introduced in Week 11 — ML at Scale &amp; Feature Engineering</a:t>
-            </a:r>
-          </a:p>
-          <a:p>
-            <a:pPr/>
-            <a:r>
-              <a:t>Be able to explain and contrast the main approaches</a:t>
-            </a:r>
-          </a:p>
-          <a:p>
-            <a:pPr/>
-            <a:r>
-              <a:t>Apply at least one practical technique in a lab setting</a:t>
+          <a:p>
+            <a:endParaRPr/>
+          </a:p>
+          <a:p>
+            <a:r>
+              <a:t>Design: graph-backed feature for a recommender</a:t>
+            </a:r>
+          </a:p>
+          <a:p>
+            <a:r>
+              <a:t>Demo: Neo4j cypher examples</a:t>
             </a:r>
           </a:p>
         </p:txBody>
@@ -5738,7 +6285,7 @@
 </file>
 
 <file path=ppt/slides/slide43.xml><?xml version="1.0" encoding="utf-8"?>
-<p:sld xmlns:a="http://schemas.openxmlformats.org/drawingml/2006/main" xmlns:p="http://schemas.openxmlformats.org/presentationml/2006/main" xmlns:r="http://schemas.openxmlformats.org/officeDocument/2006/relationships">
+<p:sld xmlns:a="http://schemas.openxmlformats.org/drawingml/2006/main" xmlns:r="http://schemas.openxmlformats.org/officeDocument/2006/relationships" xmlns:p="http://schemas.openxmlformats.org/presentationml/2006/main">
   <p:cSld>
     <p:spTree>
       <p:nvGrpSpPr>
@@ -5746,7 +6293,14 @@
         <p:cNvGrpSpPr/>
         <p:nvPr/>
       </p:nvGrpSpPr>
-      <p:grpSpPr/>
+      <p:grpSpPr>
+        <a:xfrm>
+          <a:off x="0" y="0"/>
+          <a:ext cx="0" cy="0"/>
+          <a:chOff x="0" y="0"/>
+          <a:chExt cx="0" cy="0"/>
+        </a:xfrm>
+      </p:grpSpPr>
       <p:sp>
         <p:nvSpPr>
           <p:cNvPr id="2" name="Title 1"/>
@@ -5754,57 +6308,37 @@
             <a:spLocks noGrp="1"/>
           </p:cNvSpPr>
           <p:nvPr>
-            <p:ph type="title"/>
-          </p:nvPr>
-        </p:nvSpPr>
-        <p:spPr/>
-        <p:txBody>
-          <a:bodyPr/>
-          <a:lstStyle/>
-          <a:p>
-            <a:r>
-              <a:t>Key Topics</a:t>
-            </a:r>
-          </a:p>
-        </p:txBody>
-      </p:sp>
-      <p:sp>
-        <p:nvSpPr>
-          <p:cNvPr id="3" name="Content Placeholder 2"/>
-          <p:cNvSpPr>
-            <a:spLocks noGrp="1"/>
-          </p:cNvSpPr>
-          <p:nvPr>
-            <p:ph idx="1"/>
-          </p:nvPr>
-        </p:nvSpPr>
-        <p:spPr/>
-        <p:txBody>
-          <a:bodyPr/>
-          <a:lstStyle/>
-          <a:p/>
-          <a:p>
-            <a:pPr/>
-            <a:r>
-              <a:t>Feature engineering at scale</a:t>
-            </a:r>
-          </a:p>
-          <a:p>
-            <a:pPr/>
-            <a:r>
-              <a:t>Distributed training basics</a:t>
-            </a:r>
-          </a:p>
-          <a:p>
-            <a:pPr/>
-            <a:r>
-              <a:t>Model serving and feature stores</a:t>
-            </a:r>
-          </a:p>
-          <a:p>
-            <a:pPr/>
-            <a:r>
-              <a:t>Model monitoring &amp; drift</a:t>
+            <p:ph type="ctrTitle"/>
+          </p:nvPr>
+        </p:nvSpPr>
+        <p:spPr/>
+        <p:txBody>
+          <a:bodyPr/>
+          <a:lstStyle/>
+          <a:p>
+            <a:r>
+              <a:t>Lecture 11: Week 11 — ML at Scale &amp; Feature Engineering</a:t>
+            </a:r>
+          </a:p>
+        </p:txBody>
+      </p:sp>
+      <p:sp>
+        <p:nvSpPr>
+          <p:cNvPr id="3" name="Subtitle 2"/>
+          <p:cNvSpPr>
+            <a:spLocks noGrp="1"/>
+          </p:cNvSpPr>
+          <p:nvPr>
+            <p:ph type="subTitle" idx="1"/>
+          </p:nvPr>
+        </p:nvSpPr>
+        <p:spPr/>
+        <p:txBody>
+          <a:bodyPr/>
+          <a:lstStyle/>
+          <a:p>
+            <a:r>
+              <a:t>Decision trees, distributed training, feature stores</a:t>
             </a:r>
           </a:p>
         </p:txBody>
@@ -5818,7 +6352,7 @@
 </file>
 
 <file path=ppt/slides/slide44.xml><?xml version="1.0" encoding="utf-8"?>
-<p:sld xmlns:a="http://schemas.openxmlformats.org/drawingml/2006/main" xmlns:p="http://schemas.openxmlformats.org/presentationml/2006/main" xmlns:r="http://schemas.openxmlformats.org/officeDocument/2006/relationships">
+<p:sld xmlns:a="http://schemas.openxmlformats.org/drawingml/2006/main" xmlns:r="http://schemas.openxmlformats.org/officeDocument/2006/relationships" xmlns:p="http://schemas.openxmlformats.org/presentationml/2006/main">
   <p:cSld>
     <p:spTree>
       <p:nvGrpSpPr>
@@ -5826,7 +6360,14 @@
         <p:cNvGrpSpPr/>
         <p:nvPr/>
       </p:nvGrpSpPr>
-      <p:grpSpPr/>
+      <p:grpSpPr>
+        <a:xfrm>
+          <a:off x="0" y="0"/>
+          <a:ext cx="0" cy="0"/>
+          <a:chOff x="0" y="0"/>
+          <a:chExt cx="0" cy="0"/>
+        </a:xfrm>
+      </p:grpSpPr>
       <p:sp>
         <p:nvSpPr>
           <p:cNvPr id="2" name="Title 1"/>
@@ -5843,7 +6384,7 @@
           <a:lstStyle/>
           <a:p>
             <a:r>
-              <a:t>Activity / Readings</a:t>
+              <a:t>Learning Objectives</a:t>
             </a:r>
           </a:p>
         </p:txBody>
@@ -5862,17 +6403,22 @@
         <p:txBody>
           <a:bodyPr/>
           <a:lstStyle/>
-          <a:p/>
-          <a:p>
-            <a:pPr/>
-            <a:r>
-              <a:t>Mini-project: sketch scalable training pipeline</a:t>
-            </a:r>
-          </a:p>
-          <a:p>
-            <a:pPr/>
-            <a:r>
-              <a:t>Reading: feature store concepts</a:t>
+          <a:p>
+            <a:endParaRPr/>
+          </a:p>
+          <a:p>
+            <a:r>
+              <a:t>Understand the core concepts introduced in Week 11 — ML at Scale &amp; Feature Engineering</a:t>
+            </a:r>
+          </a:p>
+          <a:p>
+            <a:r>
+              <a:t>Be able to explain and contrast the main approaches</a:t>
+            </a:r>
+          </a:p>
+          <a:p>
+            <a:r>
+              <a:t>Apply at least one practical technique in a lab setting</a:t>
             </a:r>
           </a:p>
         </p:txBody>
@@ -5886,7 +6432,7 @@
 </file>
 
 <file path=ppt/slides/slide45.xml><?xml version="1.0" encoding="utf-8"?>
-<p:sld xmlns:a="http://schemas.openxmlformats.org/drawingml/2006/main" xmlns:p="http://schemas.openxmlformats.org/presentationml/2006/main" xmlns:r="http://schemas.openxmlformats.org/officeDocument/2006/relationships">
+<p:sld xmlns:a="http://schemas.openxmlformats.org/drawingml/2006/main" xmlns:r="http://schemas.openxmlformats.org/officeDocument/2006/relationships" xmlns:p="http://schemas.openxmlformats.org/presentationml/2006/main">
   <p:cSld>
     <p:spTree>
       <p:nvGrpSpPr>
@@ -5894,7 +6440,14 @@
         <p:cNvGrpSpPr/>
         <p:nvPr/>
       </p:nvGrpSpPr>
-      <p:grpSpPr/>
+      <p:grpSpPr>
+        <a:xfrm>
+          <a:off x="0" y="0"/>
+          <a:ext cx="0" cy="0"/>
+          <a:chOff x="0" y="0"/>
+          <a:chExt cx="0" cy="0"/>
+        </a:xfrm>
+      </p:grpSpPr>
       <p:sp>
         <p:nvSpPr>
           <p:cNvPr id="2" name="Title 1"/>
@@ -5902,37 +6455,55 @@
             <a:spLocks noGrp="1"/>
           </p:cNvSpPr>
           <p:nvPr>
-            <p:ph type="ctrTitle"/>
-          </p:nvPr>
-        </p:nvSpPr>
-        <p:spPr/>
-        <p:txBody>
-          <a:bodyPr/>
-          <a:lstStyle/>
-          <a:p>
-            <a:r>
-              <a:t>Lecture 12: Week 12 — Maintenance, Reproducibility &amp; Future Trends</a:t>
-            </a:r>
-          </a:p>
-        </p:txBody>
-      </p:sp>
-      <p:sp>
-        <p:nvSpPr>
-          <p:cNvPr id="3" name="Subtitle 2"/>
-          <p:cNvSpPr>
-            <a:spLocks noGrp="1"/>
-          </p:cNvSpPr>
-          <p:nvPr>
-            <p:ph type="subTitle" idx="1"/>
-          </p:nvPr>
-        </p:nvSpPr>
-        <p:spPr/>
-        <p:txBody>
-          <a:bodyPr/>
-          <a:lstStyle/>
-          <a:p>
-            <a:r>
-              <a:t>Monitoring, pipelines, reproducibility, data meshes and trends</a:t>
+            <p:ph type="title"/>
+          </p:nvPr>
+        </p:nvSpPr>
+        <p:spPr/>
+        <p:txBody>
+          <a:bodyPr/>
+          <a:lstStyle/>
+          <a:p>
+            <a:r>
+              <a:t>Key Topics</a:t>
+            </a:r>
+          </a:p>
+        </p:txBody>
+      </p:sp>
+      <p:sp>
+        <p:nvSpPr>
+          <p:cNvPr id="3" name="Content Placeholder 2"/>
+          <p:cNvSpPr>
+            <a:spLocks noGrp="1"/>
+          </p:cNvSpPr>
+          <p:nvPr>
+            <p:ph idx="1"/>
+          </p:nvPr>
+        </p:nvSpPr>
+        <p:spPr/>
+        <p:txBody>
+          <a:bodyPr/>
+          <a:lstStyle/>
+          <a:p>
+            <a:endParaRPr/>
+          </a:p>
+          <a:p>
+            <a:r>
+              <a:t>Feature engineering at scale</a:t>
+            </a:r>
+          </a:p>
+          <a:p>
+            <a:r>
+              <a:t>Distributed training basics</a:t>
+            </a:r>
+          </a:p>
+          <a:p>
+            <a:r>
+              <a:t>Model serving and feature stores</a:t>
+            </a:r>
+          </a:p>
+          <a:p>
+            <a:r>
+              <a:t>Model monitoring &amp; drift</a:t>
             </a:r>
           </a:p>
         </p:txBody>
@@ -5946,7 +6517,7 @@
 </file>
 
 <file path=ppt/slides/slide46.xml><?xml version="1.0" encoding="utf-8"?>
-<p:sld xmlns:a="http://schemas.openxmlformats.org/drawingml/2006/main" xmlns:p="http://schemas.openxmlformats.org/presentationml/2006/main" xmlns:r="http://schemas.openxmlformats.org/officeDocument/2006/relationships">
+<p:sld xmlns:a="http://schemas.openxmlformats.org/drawingml/2006/main" xmlns:r="http://schemas.openxmlformats.org/officeDocument/2006/relationships" xmlns:p="http://schemas.openxmlformats.org/presentationml/2006/main">
   <p:cSld>
     <p:spTree>
       <p:nvGrpSpPr>
@@ -5954,7 +6525,14 @@
         <p:cNvGrpSpPr/>
         <p:nvPr/>
       </p:nvGrpSpPr>
-      <p:grpSpPr/>
+      <p:grpSpPr>
+        <a:xfrm>
+          <a:off x="0" y="0"/>
+          <a:ext cx="0" cy="0"/>
+          <a:chOff x="0" y="0"/>
+          <a:chExt cx="0" cy="0"/>
+        </a:xfrm>
+      </p:grpSpPr>
       <p:sp>
         <p:nvSpPr>
           <p:cNvPr id="2" name="Title 1"/>
@@ -5971,7 +6549,7 @@
           <a:lstStyle/>
           <a:p>
             <a:r>
-              <a:t>Learning Objectives</a:t>
+              <a:t>Activity / Readings</a:t>
             </a:r>
           </a:p>
         </p:txBody>
@@ -5990,23 +6568,17 @@
         <p:txBody>
           <a:bodyPr/>
           <a:lstStyle/>
-          <a:p/>
-          <a:p>
-            <a:pPr/>
-            <a:r>
-              <a:t>Understand the core concepts introduced in Week 12 — Maintenance, Reproducibility &amp; Future Trends</a:t>
-            </a:r>
-          </a:p>
-          <a:p>
-            <a:pPr/>
-            <a:r>
-              <a:t>Be able to explain and contrast the main approaches</a:t>
-            </a:r>
-          </a:p>
-          <a:p>
-            <a:pPr/>
-            <a:r>
-              <a:t>Apply at least one practical technique in a lab setting</a:t>
+          <a:p>
+            <a:endParaRPr/>
+          </a:p>
+          <a:p>
+            <a:r>
+              <a:t>Mini-project: sketch scalable training pipeline</a:t>
+            </a:r>
+          </a:p>
+          <a:p>
+            <a:r>
+              <a:t>Reading: feature store concepts</a:t>
             </a:r>
           </a:p>
         </p:txBody>
@@ -6020,7 +6592,7 @@
 </file>
 
 <file path=ppt/slides/slide47.xml><?xml version="1.0" encoding="utf-8"?>
-<p:sld xmlns:a="http://schemas.openxmlformats.org/drawingml/2006/main" xmlns:p="http://schemas.openxmlformats.org/presentationml/2006/main" xmlns:r="http://schemas.openxmlformats.org/officeDocument/2006/relationships">
+<p:sld xmlns:a="http://schemas.openxmlformats.org/drawingml/2006/main" xmlns:r="http://schemas.openxmlformats.org/officeDocument/2006/relationships" xmlns:p="http://schemas.openxmlformats.org/presentationml/2006/main">
   <p:cSld>
     <p:spTree>
       <p:nvGrpSpPr>
@@ -6028,7 +6600,14 @@
         <p:cNvGrpSpPr/>
         <p:nvPr/>
       </p:nvGrpSpPr>
-      <p:grpSpPr/>
+      <p:grpSpPr>
+        <a:xfrm>
+          <a:off x="0" y="0"/>
+          <a:ext cx="0" cy="0"/>
+          <a:chOff x="0" y="0"/>
+          <a:chExt cx="0" cy="0"/>
+        </a:xfrm>
+      </p:grpSpPr>
       <p:sp>
         <p:nvSpPr>
           <p:cNvPr id="2" name="Title 1"/>
@@ -6036,57 +6615,39 @@
             <a:spLocks noGrp="1"/>
           </p:cNvSpPr>
           <p:nvPr>
-            <p:ph type="title"/>
-          </p:nvPr>
-        </p:nvSpPr>
-        <p:spPr/>
-        <p:txBody>
-          <a:bodyPr/>
-          <a:lstStyle/>
-          <a:p>
-            <a:r>
-              <a:t>Key Topics</a:t>
-            </a:r>
-          </a:p>
-        </p:txBody>
-      </p:sp>
-      <p:sp>
-        <p:nvSpPr>
-          <p:cNvPr id="3" name="Content Placeholder 2"/>
-          <p:cNvSpPr>
-            <a:spLocks noGrp="1"/>
-          </p:cNvSpPr>
-          <p:nvPr>
-            <p:ph idx="1"/>
-          </p:nvPr>
-        </p:nvSpPr>
-        <p:spPr/>
-        <p:txBody>
-          <a:bodyPr/>
-          <a:lstStyle/>
-          <a:p/>
-          <a:p>
-            <a:pPr/>
-            <a:r>
-              <a:t>Reproducibility: environments and pipelines</a:t>
-            </a:r>
-          </a:p>
-          <a:p>
-            <a:pPr/>
-            <a:r>
-              <a:t>Monitoring &amp; observability of pipelines</a:t>
-            </a:r>
-          </a:p>
-          <a:p>
-            <a:pPr/>
-            <a:r>
-              <a:t>Emerging trends: data mesh, lakehouse</a:t>
-            </a:r>
-          </a:p>
-          <a:p>
-            <a:pPr/>
-            <a:r>
-              <a:t>Course wrap-up</a:t>
+            <p:ph type="ctrTitle"/>
+          </p:nvPr>
+        </p:nvSpPr>
+        <p:spPr/>
+        <p:txBody>
+          <a:bodyPr>
+            <a:normAutofit fontScale="90000"/>
+          </a:bodyPr>
+          <a:lstStyle/>
+          <a:p>
+            <a:r>
+              <a:t>Lecture 12: Week 12 — Maintenance, Reproducibility &amp; Future Trends</a:t>
+            </a:r>
+          </a:p>
+        </p:txBody>
+      </p:sp>
+      <p:sp>
+        <p:nvSpPr>
+          <p:cNvPr id="3" name="Subtitle 2"/>
+          <p:cNvSpPr>
+            <a:spLocks noGrp="1"/>
+          </p:cNvSpPr>
+          <p:nvPr>
+            <p:ph type="subTitle" idx="1"/>
+          </p:nvPr>
+        </p:nvSpPr>
+        <p:spPr/>
+        <p:txBody>
+          <a:bodyPr/>
+          <a:lstStyle/>
+          <a:p>
+            <a:r>
+              <a:t>Monitoring, pipelines, reproducibility, data meshes and trends</a:t>
             </a:r>
           </a:p>
         </p:txBody>
@@ -6100,7 +6661,7 @@
 </file>
 
 <file path=ppt/slides/slide48.xml><?xml version="1.0" encoding="utf-8"?>
-<p:sld xmlns:a="http://schemas.openxmlformats.org/drawingml/2006/main" xmlns:p="http://schemas.openxmlformats.org/presentationml/2006/main" xmlns:r="http://schemas.openxmlformats.org/officeDocument/2006/relationships">
+<p:sld xmlns:a="http://schemas.openxmlformats.org/drawingml/2006/main" xmlns:r="http://schemas.openxmlformats.org/officeDocument/2006/relationships" xmlns:p="http://schemas.openxmlformats.org/presentationml/2006/main">
   <p:cSld>
     <p:spTree>
       <p:nvGrpSpPr>
@@ -6108,7 +6669,14 @@
         <p:cNvGrpSpPr/>
         <p:nvPr/>
       </p:nvGrpSpPr>
-      <p:grpSpPr/>
+      <p:grpSpPr>
+        <a:xfrm>
+          <a:off x="0" y="0"/>
+          <a:ext cx="0" cy="0"/>
+          <a:chOff x="0" y="0"/>
+          <a:chExt cx="0" cy="0"/>
+        </a:xfrm>
+      </p:grpSpPr>
       <p:sp>
         <p:nvSpPr>
           <p:cNvPr id="2" name="Title 1"/>
@@ -6125,7 +6693,7 @@
           <a:lstStyle/>
           <a:p>
             <a:r>
-              <a:t>Activity / Readings</a:t>
+              <a:t>Learning Objectives</a:t>
             </a:r>
           </a:p>
         </p:txBody>
@@ -6144,17 +6712,107 @@
         <p:txBody>
           <a:bodyPr/>
           <a:lstStyle/>
-          <a:p/>
-          <a:p>
-            <a:pPr/>
-            <a:r>
-              <a:t>Final presentations (Week 12 demo slots)</a:t>
-            </a:r>
-          </a:p>
-          <a:p>
-            <a:pPr/>
-            <a:r>
-              <a:t>Submit reflections and course feedback</a:t>
+          <a:p>
+            <a:endParaRPr/>
+          </a:p>
+          <a:p>
+            <a:r>
+              <a:t>Understand the core concepts introduced in Week 12 — Maintenance, Reproducibility &amp; Future Trends</a:t>
+            </a:r>
+          </a:p>
+          <a:p>
+            <a:r>
+              <a:t>Be able to explain and contrast the main approaches</a:t>
+            </a:r>
+          </a:p>
+          <a:p>
+            <a:r>
+              <a:t>Apply at least one practical technique in a lab setting</a:t>
+            </a:r>
+          </a:p>
+        </p:txBody>
+      </p:sp>
+    </p:spTree>
+  </p:cSld>
+  <p:clrMapOvr>
+    <a:masterClrMapping/>
+  </p:clrMapOvr>
+</p:sld>
+</file>
+
+<file path=ppt/slides/slide49.xml><?xml version="1.0" encoding="utf-8"?>
+<p:sld xmlns:a="http://schemas.openxmlformats.org/drawingml/2006/main" xmlns:r="http://schemas.openxmlformats.org/officeDocument/2006/relationships" xmlns:p="http://schemas.openxmlformats.org/presentationml/2006/main">
+  <p:cSld>
+    <p:spTree>
+      <p:nvGrpSpPr>
+        <p:cNvPr id="1" name=""/>
+        <p:cNvGrpSpPr/>
+        <p:nvPr/>
+      </p:nvGrpSpPr>
+      <p:grpSpPr>
+        <a:xfrm>
+          <a:off x="0" y="0"/>
+          <a:ext cx="0" cy="0"/>
+          <a:chOff x="0" y="0"/>
+          <a:chExt cx="0" cy="0"/>
+        </a:xfrm>
+      </p:grpSpPr>
+      <p:sp>
+        <p:nvSpPr>
+          <p:cNvPr id="2" name="Title 1"/>
+          <p:cNvSpPr>
+            <a:spLocks noGrp="1"/>
+          </p:cNvSpPr>
+          <p:nvPr>
+            <p:ph type="title"/>
+          </p:nvPr>
+        </p:nvSpPr>
+        <p:spPr/>
+        <p:txBody>
+          <a:bodyPr/>
+          <a:lstStyle/>
+          <a:p>
+            <a:r>
+              <a:t>Key Topics</a:t>
+            </a:r>
+          </a:p>
+        </p:txBody>
+      </p:sp>
+      <p:sp>
+        <p:nvSpPr>
+          <p:cNvPr id="3" name="Content Placeholder 2"/>
+          <p:cNvSpPr>
+            <a:spLocks noGrp="1"/>
+          </p:cNvSpPr>
+          <p:nvPr>
+            <p:ph idx="1"/>
+          </p:nvPr>
+        </p:nvSpPr>
+        <p:spPr/>
+        <p:txBody>
+          <a:bodyPr/>
+          <a:lstStyle/>
+          <a:p>
+            <a:endParaRPr/>
+          </a:p>
+          <a:p>
+            <a:r>
+              <a:t>Reproducibility: environments and pipelines</a:t>
+            </a:r>
+          </a:p>
+          <a:p>
+            <a:r>
+              <a:t>Monitoring &amp; observability of pipelines</a:t>
+            </a:r>
+          </a:p>
+          <a:p>
+            <a:r>
+              <a:t>Emerging trends: data mesh, lakehouse</a:t>
+            </a:r>
+          </a:p>
+          <a:p>
+            <a:r>
+              <a:t>Course wrap-up</a:t>
             </a:r>
           </a:p>
         </p:txBody>
@@ -6168,7 +6826,7 @@
 </file>
 
 <file path=ppt/slides/slide5.xml><?xml version="1.0" encoding="utf-8"?>
-<p:sld xmlns:a="http://schemas.openxmlformats.org/drawingml/2006/main" xmlns:p="http://schemas.openxmlformats.org/presentationml/2006/main" xmlns:r="http://schemas.openxmlformats.org/officeDocument/2006/relationships">
+<p:sld xmlns:a="http://schemas.openxmlformats.org/drawingml/2006/main" xmlns:r="http://schemas.openxmlformats.org/officeDocument/2006/relationships" xmlns:p="http://schemas.openxmlformats.org/presentationml/2006/main">
   <p:cSld>
     <p:spTree>
       <p:nvGrpSpPr>
@@ -6176,7 +6834,14 @@
         <p:cNvGrpSpPr/>
         <p:nvPr/>
       </p:nvGrpSpPr>
-      <p:grpSpPr/>
+      <p:grpSpPr>
+        <a:xfrm>
+          <a:off x="0" y="0"/>
+          <a:ext cx="0" cy="0"/>
+          <a:chOff x="0" y="0"/>
+          <a:chExt cx="0" cy="0"/>
+        </a:xfrm>
+      </p:grpSpPr>
       <p:sp>
         <p:nvSpPr>
           <p:cNvPr id="2" name="Title 1"/>
@@ -6184,37 +6849,120 @@
             <a:spLocks noGrp="1"/>
           </p:cNvSpPr>
           <p:nvPr>
-            <p:ph type="ctrTitle"/>
-          </p:nvPr>
-        </p:nvSpPr>
-        <p:spPr/>
-        <p:txBody>
-          <a:bodyPr/>
-          <a:lstStyle/>
-          <a:p>
-            <a:r>
-              <a:t>Lecture 2: Week 2 — Data Acquisition &amp; Storage</a:t>
-            </a:r>
-          </a:p>
-        </p:txBody>
-      </p:sp>
-      <p:sp>
-        <p:nvSpPr>
-          <p:cNvPr id="3" name="Subtitle 2"/>
-          <p:cNvSpPr>
-            <a:spLocks noGrp="1"/>
-          </p:cNvSpPr>
-          <p:nvPr>
-            <p:ph type="subTitle" idx="1"/>
-          </p:nvPr>
-        </p:nvSpPr>
-        <p:spPr/>
-        <p:txBody>
-          <a:bodyPr/>
-          <a:lstStyle/>
-          <a:p>
-            <a:r>
-              <a:t>RDBMS vs NoSQL vs object stores; sharding &amp; partitioning</a:t>
+            <p:ph type="title"/>
+          </p:nvPr>
+        </p:nvSpPr>
+        <p:spPr/>
+        <p:txBody>
+          <a:bodyPr/>
+          <a:lstStyle/>
+          <a:p>
+            <a:r>
+              <a:t>Activity / Readings</a:t>
+            </a:r>
+          </a:p>
+        </p:txBody>
+      </p:sp>
+      <p:sp>
+        <p:nvSpPr>
+          <p:cNvPr id="3" name="Content Placeholder 2"/>
+          <p:cNvSpPr>
+            <a:spLocks noGrp="1"/>
+          </p:cNvSpPr>
+          <p:nvPr>
+            <p:ph idx="1"/>
+          </p:nvPr>
+        </p:nvSpPr>
+        <p:spPr/>
+        <p:txBody>
+          <a:bodyPr/>
+          <a:lstStyle/>
+          <a:p>
+            <a:endParaRPr/>
+          </a:p>
+          <a:p>
+            <a:r>
+              <a:t>Minute paper: list 2 questions you want answered</a:t>
+            </a:r>
+          </a:p>
+          <a:p>
+            <a:r>
+              <a:t>Reading: course spec &amp; suggested intro chapters (McKinney)</a:t>
+            </a:r>
+          </a:p>
+        </p:txBody>
+      </p:sp>
+    </p:spTree>
+  </p:cSld>
+  <p:clrMapOvr>
+    <a:masterClrMapping/>
+  </p:clrMapOvr>
+</p:sld>
+</file>
+
+<file path=ppt/slides/slide50.xml><?xml version="1.0" encoding="utf-8"?>
+<p:sld xmlns:a="http://schemas.openxmlformats.org/drawingml/2006/main" xmlns:r="http://schemas.openxmlformats.org/officeDocument/2006/relationships" xmlns:p="http://schemas.openxmlformats.org/presentationml/2006/main">
+  <p:cSld>
+    <p:spTree>
+      <p:nvGrpSpPr>
+        <p:cNvPr id="1" name=""/>
+        <p:cNvGrpSpPr/>
+        <p:nvPr/>
+      </p:nvGrpSpPr>
+      <p:grpSpPr>
+        <a:xfrm>
+          <a:off x="0" y="0"/>
+          <a:ext cx="0" cy="0"/>
+          <a:chOff x="0" y="0"/>
+          <a:chExt cx="0" cy="0"/>
+        </a:xfrm>
+      </p:grpSpPr>
+      <p:sp>
+        <p:nvSpPr>
+          <p:cNvPr id="2" name="Title 1"/>
+          <p:cNvSpPr>
+            <a:spLocks noGrp="1"/>
+          </p:cNvSpPr>
+          <p:nvPr>
+            <p:ph type="title"/>
+          </p:nvPr>
+        </p:nvSpPr>
+        <p:spPr/>
+        <p:txBody>
+          <a:bodyPr/>
+          <a:lstStyle/>
+          <a:p>
+            <a:r>
+              <a:t>Activity / Readings</a:t>
+            </a:r>
+          </a:p>
+        </p:txBody>
+      </p:sp>
+      <p:sp>
+        <p:nvSpPr>
+          <p:cNvPr id="3" name="Content Placeholder 2"/>
+          <p:cNvSpPr>
+            <a:spLocks noGrp="1"/>
+          </p:cNvSpPr>
+          <p:nvPr>
+            <p:ph idx="1"/>
+          </p:nvPr>
+        </p:nvSpPr>
+        <p:spPr/>
+        <p:txBody>
+          <a:bodyPr/>
+          <a:lstStyle/>
+          <a:p>
+            <a:endParaRPr/>
+          </a:p>
+          <a:p>
+            <a:r>
+              <a:t>Final presentations (Week 12 demo slots)</a:t>
+            </a:r>
+          </a:p>
+          <a:p>
+            <a:r>
+              <a:t>Submit reflections and course feedback</a:t>
             </a:r>
           </a:p>
         </p:txBody>
@@ -6228,7 +6976,7 @@
 </file>
 
 <file path=ppt/slides/slide6.xml><?xml version="1.0" encoding="utf-8"?>
-<p:sld xmlns:a="http://schemas.openxmlformats.org/drawingml/2006/main" xmlns:p="http://schemas.openxmlformats.org/presentationml/2006/main" xmlns:r="http://schemas.openxmlformats.org/officeDocument/2006/relationships">
+<p:sld xmlns:a="http://schemas.openxmlformats.org/drawingml/2006/main" xmlns:r="http://schemas.openxmlformats.org/officeDocument/2006/relationships" xmlns:p="http://schemas.openxmlformats.org/presentationml/2006/main">
   <p:cSld>
     <p:spTree>
       <p:nvGrpSpPr>
@@ -6236,7 +6984,14 @@
         <p:cNvGrpSpPr/>
         <p:nvPr/>
       </p:nvGrpSpPr>
-      <p:grpSpPr/>
+      <p:grpSpPr>
+        <a:xfrm>
+          <a:off x="0" y="0"/>
+          <a:ext cx="0" cy="0"/>
+          <a:chOff x="0" y="0"/>
+          <a:chExt cx="0" cy="0"/>
+        </a:xfrm>
+      </p:grpSpPr>
       <p:sp>
         <p:nvSpPr>
           <p:cNvPr id="2" name="Title 1"/>
@@ -6244,51 +6999,37 @@
             <a:spLocks noGrp="1"/>
           </p:cNvSpPr>
           <p:nvPr>
-            <p:ph type="title"/>
-          </p:nvPr>
-        </p:nvSpPr>
-        <p:spPr/>
-        <p:txBody>
-          <a:bodyPr/>
-          <a:lstStyle/>
-          <a:p>
-            <a:r>
-              <a:t>Learning Objectives</a:t>
-            </a:r>
-          </a:p>
-        </p:txBody>
-      </p:sp>
-      <p:sp>
-        <p:nvSpPr>
-          <p:cNvPr id="3" name="Content Placeholder 2"/>
-          <p:cNvSpPr>
-            <a:spLocks noGrp="1"/>
-          </p:cNvSpPr>
-          <p:nvPr>
-            <p:ph idx="1"/>
-          </p:nvPr>
-        </p:nvSpPr>
-        <p:spPr/>
-        <p:txBody>
-          <a:bodyPr/>
-          <a:lstStyle/>
-          <a:p/>
-          <a:p>
-            <a:pPr/>
-            <a:r>
-              <a:t>Understand the core concepts introduced in Week 2 — Data Acquisition &amp; Storage</a:t>
-            </a:r>
-          </a:p>
-          <a:p>
-            <a:pPr/>
-            <a:r>
-              <a:t>Be able to explain and contrast the main approaches</a:t>
-            </a:r>
-          </a:p>
-          <a:p>
-            <a:pPr/>
-            <a:r>
-              <a:t>Apply at least one practical technique in a lab setting</a:t>
+            <p:ph type="ctrTitle"/>
+          </p:nvPr>
+        </p:nvSpPr>
+        <p:spPr/>
+        <p:txBody>
+          <a:bodyPr/>
+          <a:lstStyle/>
+          <a:p>
+            <a:r>
+              <a:t>Lecture 2: Week 2 — Data Acquisition &amp; Storage</a:t>
+            </a:r>
+          </a:p>
+        </p:txBody>
+      </p:sp>
+      <p:sp>
+        <p:nvSpPr>
+          <p:cNvPr id="3" name="Subtitle 2"/>
+          <p:cNvSpPr>
+            <a:spLocks noGrp="1"/>
+          </p:cNvSpPr>
+          <p:nvPr>
+            <p:ph type="subTitle" idx="1"/>
+          </p:nvPr>
+        </p:nvSpPr>
+        <p:spPr/>
+        <p:txBody>
+          <a:bodyPr/>
+          <a:lstStyle/>
+          <a:p>
+            <a:r>
+              <a:t>RDBMS vs NoSQL vs object stores; sharding &amp; partitioning</a:t>
             </a:r>
           </a:p>
         </p:txBody>
@@ -6302,7 +7043,7 @@
 </file>
 
 <file path=ppt/slides/slide7.xml><?xml version="1.0" encoding="utf-8"?>
-<p:sld xmlns:a="http://schemas.openxmlformats.org/drawingml/2006/main" xmlns:p="http://schemas.openxmlformats.org/presentationml/2006/main" xmlns:r="http://schemas.openxmlformats.org/officeDocument/2006/relationships">
+<p:sld xmlns:a="http://schemas.openxmlformats.org/drawingml/2006/main" xmlns:r="http://schemas.openxmlformats.org/officeDocument/2006/relationships" xmlns:p="http://schemas.openxmlformats.org/presentationml/2006/main">
   <p:cSld>
     <p:spTree>
       <p:nvGrpSpPr>
@@ -6310,7 +7051,14 @@
         <p:cNvGrpSpPr/>
         <p:nvPr/>
       </p:nvGrpSpPr>
-      <p:grpSpPr/>
+      <p:grpSpPr>
+        <a:xfrm>
+          <a:off x="0" y="0"/>
+          <a:ext cx="0" cy="0"/>
+          <a:chOff x="0" y="0"/>
+          <a:chExt cx="0" cy="0"/>
+        </a:xfrm>
+      </p:grpSpPr>
       <p:sp>
         <p:nvSpPr>
           <p:cNvPr id="2" name="Title 1"/>
@@ -6327,7 +7075,7 @@
           <a:lstStyle/>
           <a:p>
             <a:r>
-              <a:t>Key Topics</a:t>
+              <a:t>Learning Objectives</a:t>
             </a:r>
           </a:p>
         </p:txBody>
@@ -6346,29 +7094,22 @@
         <p:txBody>
           <a:bodyPr/>
           <a:lstStyle/>
-          <a:p/>
-          <a:p>
-            <a:pPr/>
-            <a:r>
-              <a:t>Relational databases recap</a:t>
-            </a:r>
-          </a:p>
-          <a:p>
-            <a:pPr/>
-            <a:r>
-              <a:t>NoSQL families: document, key-value, wide-column, graph</a:t>
-            </a:r>
-          </a:p>
-          <a:p>
-            <a:pPr/>
-            <a:r>
-              <a:t>Object stores and cold vs hot storage</a:t>
-            </a:r>
-          </a:p>
-          <a:p>
-            <a:pPr/>
-            <a:r>
-              <a:t>Sharding, replication, CAP theorem (brief)</a:t>
+          <a:p>
+            <a:endParaRPr/>
+          </a:p>
+          <a:p>
+            <a:r>
+              <a:t>Understand the core concepts introduced in Week 2 — Data Acquisition &amp; Storage</a:t>
+            </a:r>
+          </a:p>
+          <a:p>
+            <a:r>
+              <a:t>Be able to explain and contrast the main approaches</a:t>
+            </a:r>
+          </a:p>
+          <a:p>
+            <a:r>
+              <a:t>Apply at least one practical technique in a lab setting</a:t>
             </a:r>
           </a:p>
         </p:txBody>
@@ -6382,7 +7123,7 @@
 </file>
 
 <file path=ppt/slides/slide8.xml><?xml version="1.0" encoding="utf-8"?>
-<p:sld xmlns:a="http://schemas.openxmlformats.org/drawingml/2006/main" xmlns:p="http://schemas.openxmlformats.org/presentationml/2006/main" xmlns:r="http://schemas.openxmlformats.org/officeDocument/2006/relationships">
+<p:sld xmlns:a="http://schemas.openxmlformats.org/drawingml/2006/main" xmlns:r="http://schemas.openxmlformats.org/officeDocument/2006/relationships" xmlns:p="http://schemas.openxmlformats.org/presentationml/2006/main">
   <p:cSld>
     <p:spTree>
       <p:nvGrpSpPr>
@@ -6390,7 +7131,14 @@
         <p:cNvGrpSpPr/>
         <p:nvPr/>
       </p:nvGrpSpPr>
-      <p:grpSpPr/>
+      <p:grpSpPr>
+        <a:xfrm>
+          <a:off x="0" y="0"/>
+          <a:ext cx="0" cy="0"/>
+          <a:chOff x="0" y="0"/>
+          <a:chExt cx="0" cy="0"/>
+        </a:xfrm>
+      </p:grpSpPr>
       <p:sp>
         <p:nvSpPr>
           <p:cNvPr id="2" name="Title 1"/>
@@ -6407,7 +7155,7 @@
           <a:lstStyle/>
           <a:p>
             <a:r>
-              <a:t>Activity / Readings</a:t>
+              <a:t>Key Topics</a:t>
             </a:r>
           </a:p>
         </p:txBody>
@@ -6426,17 +7174,31 @@
         <p:txBody>
           <a:bodyPr/>
           <a:lstStyle/>
-          <a:p/>
-          <a:p>
-            <a:pPr/>
-            <a:r>
-              <a:t>Quick group debate: choose storage for a logs system</a:t>
-            </a:r>
-          </a:p>
-          <a:p>
-            <a:pPr/>
-            <a:r>
-              <a:t>Reading: selected NoSQL primer (provided in resource list)</a:t>
+          <a:p>
+            <a:endParaRPr dirty="0"/>
+          </a:p>
+          <a:p>
+            <a:r>
+              <a:rPr dirty="0"/>
+              <a:t>Relational databases recap</a:t>
+            </a:r>
+          </a:p>
+          <a:p>
+            <a:r>
+              <a:rPr dirty="0"/>
+              <a:t>NoSQL families: document, key-value, wide-column, graph</a:t>
+            </a:r>
+          </a:p>
+          <a:p>
+            <a:r>
+              <a:rPr dirty="0"/>
+              <a:t>Object stores and cold vs hot storage</a:t>
+            </a:r>
+          </a:p>
+          <a:p>
+            <a:r>
+              <a:rPr dirty="0"/>
+              <a:t>Sharding, replication</a:t>
             </a:r>
           </a:p>
         </p:txBody>
@@ -6450,7 +7212,7 @@
 </file>
 
 <file path=ppt/slides/slide9.xml><?xml version="1.0" encoding="utf-8"?>
-<p:sld xmlns:a="http://schemas.openxmlformats.org/drawingml/2006/main" xmlns:p="http://schemas.openxmlformats.org/presentationml/2006/main" xmlns:r="http://schemas.openxmlformats.org/officeDocument/2006/relationships">
+<p:sld xmlns:a="http://schemas.openxmlformats.org/drawingml/2006/main" xmlns:r="http://schemas.openxmlformats.org/officeDocument/2006/relationships" xmlns:p="http://schemas.openxmlformats.org/presentationml/2006/main">
   <p:cSld>
     <p:spTree>
       <p:nvGrpSpPr>
@@ -6458,7 +7220,14 @@
         <p:cNvGrpSpPr/>
         <p:nvPr/>
       </p:nvGrpSpPr>
-      <p:grpSpPr/>
+      <p:grpSpPr>
+        <a:xfrm>
+          <a:off x="0" y="0"/>
+          <a:ext cx="0" cy="0"/>
+          <a:chOff x="0" y="0"/>
+          <a:chExt cx="0" cy="0"/>
+        </a:xfrm>
+      </p:grpSpPr>
       <p:sp>
         <p:nvSpPr>
           <p:cNvPr id="2" name="Title 1"/>
@@ -6466,37 +7235,45 @@
             <a:spLocks noGrp="1"/>
           </p:cNvSpPr>
           <p:nvPr>
-            <p:ph type="ctrTitle"/>
-          </p:nvPr>
-        </p:nvSpPr>
-        <p:spPr/>
-        <p:txBody>
-          <a:bodyPr/>
-          <a:lstStyle/>
-          <a:p>
-            <a:r>
-              <a:t>Lecture 3: Week 3 — Data Pre-processing I (pandas &amp; pipelines)</a:t>
-            </a:r>
-          </a:p>
-        </p:txBody>
-      </p:sp>
-      <p:sp>
-        <p:nvSpPr>
-          <p:cNvPr id="3" name="Subtitle 2"/>
-          <p:cNvSpPr>
-            <a:spLocks noGrp="1"/>
-          </p:cNvSpPr>
-          <p:nvPr>
-            <p:ph type="subTitle" idx="1"/>
-          </p:nvPr>
-        </p:nvSpPr>
-        <p:spPr/>
-        <p:txBody>
-          <a:bodyPr/>
-          <a:lstStyle/>
-          <a:p>
-            <a:r>
-              <a:t>Cleaning, missing data, type conversion, pipelines</a:t>
+            <p:ph type="title"/>
+          </p:nvPr>
+        </p:nvSpPr>
+        <p:spPr/>
+        <p:txBody>
+          <a:bodyPr/>
+          <a:lstStyle/>
+          <a:p>
+            <a:r>
+              <a:t>Activity / Readings</a:t>
+            </a:r>
+          </a:p>
+        </p:txBody>
+      </p:sp>
+      <p:sp>
+        <p:nvSpPr>
+          <p:cNvPr id="3" name="Content Placeholder 2"/>
+          <p:cNvSpPr>
+            <a:spLocks noGrp="1"/>
+          </p:cNvSpPr>
+          <p:nvPr>
+            <p:ph idx="1"/>
+          </p:nvPr>
+        </p:nvSpPr>
+        <p:spPr/>
+        <p:txBody>
+          <a:bodyPr/>
+          <a:lstStyle/>
+          <a:p>
+            <a:endParaRPr/>
+          </a:p>
+          <a:p>
+            <a:r>
+              <a:t>Quick group debate: choose storage for a logs system</a:t>
+            </a:r>
+          </a:p>
+          <a:p>
+            <a:r>
+              <a:t>Reading: selected NoSQL primer (provided in resource list)</a:t>
             </a:r>
           </a:p>
         </p:txBody>

--- a/Big_Data_Analytics_12_Lectures.pptx
+++ b/Big_Data_Analytics_12_Lectures.pptx
@@ -4032,7 +4032,15 @@
           <a:lstStyle/>
           <a:p>
             <a:r>
-              <a:t>Lecture 1: Week 1 — Introduction &amp; Data Life-cycle</a:t>
+              <a:rPr dirty="0"/>
+              <a:t>Lecture 1: Week 1</a:t>
+            </a:r>
+            <a:r>
+              <a:rPr lang="en-GB"/>
+              <a:t>:</a:t>
+            </a:r>
+            <a:r>
+              <a:t> Introduction &amp; Data Life-cycle</a:t>
             </a:r>
           </a:p>
         </p:txBody>

--- a/Big_Data_Analytics_12_Lectures.pptx
+++ b/Big_Data_Analytics_12_Lectures.pptx
@@ -4036,10 +4036,11 @@
               <a:t>Lecture 1: Week 1</a:t>
             </a:r>
             <a:r>
-              <a:rPr lang="en-GB"/>
+              <a:rPr lang="en-GB" dirty="0"/>
               <a:t>:</a:t>
             </a:r>
             <a:r>
+              <a:rPr dirty="0"/>
               <a:t> Introduction &amp; Data Life-cycle</a:t>
             </a:r>
           </a:p>
